--- a/snow_plow_blower.pptx
+++ b/snow_plow_blower.pptx
@@ -262,7 +262,7 @@
           <a:lstStyle/>
           <a:p>
             <a:fld id="{5F491023-0B0A-7041-9F06-D25A50EF063B}" type="datetimeFigureOut">
-              <a:t>12/26/25</a:t>
+              <a:t>1/2/26</a:t>
             </a:fld>
             <a:endParaRPr lang="en-US"/>
           </a:p>
@@ -458,7 +458,7 @@
           <a:lstStyle/>
           <a:p>
             <a:fld id="{5F491023-0B0A-7041-9F06-D25A50EF063B}" type="datetimeFigureOut">
-              <a:t>12/26/25</a:t>
+              <a:t>1/2/26</a:t>
             </a:fld>
             <a:endParaRPr lang="en-US"/>
           </a:p>
@@ -664,7 +664,7 @@
           <a:lstStyle/>
           <a:p>
             <a:fld id="{5F491023-0B0A-7041-9F06-D25A50EF063B}" type="datetimeFigureOut">
-              <a:t>12/26/25</a:t>
+              <a:t>1/2/26</a:t>
             </a:fld>
             <a:endParaRPr lang="en-US"/>
           </a:p>
@@ -860,7 +860,7 @@
           <a:lstStyle/>
           <a:p>
             <a:fld id="{5F491023-0B0A-7041-9F06-D25A50EF063B}" type="datetimeFigureOut">
-              <a:t>12/26/25</a:t>
+              <a:t>1/2/26</a:t>
             </a:fld>
             <a:endParaRPr lang="en-US"/>
           </a:p>
@@ -1133,7 +1133,7 @@
           <a:lstStyle/>
           <a:p>
             <a:fld id="{5F491023-0B0A-7041-9F06-D25A50EF063B}" type="datetimeFigureOut">
-              <a:t>12/26/25</a:t>
+              <a:t>1/2/26</a:t>
             </a:fld>
             <a:endParaRPr lang="en-US"/>
           </a:p>
@@ -1396,7 +1396,7 @@
           <a:lstStyle/>
           <a:p>
             <a:fld id="{5F491023-0B0A-7041-9F06-D25A50EF063B}" type="datetimeFigureOut">
-              <a:t>12/26/25</a:t>
+              <a:t>1/2/26</a:t>
             </a:fld>
             <a:endParaRPr lang="en-US"/>
           </a:p>
@@ -1806,7 +1806,7 @@
           <a:lstStyle/>
           <a:p>
             <a:fld id="{5F491023-0B0A-7041-9F06-D25A50EF063B}" type="datetimeFigureOut">
-              <a:t>12/26/25</a:t>
+              <a:t>1/2/26</a:t>
             </a:fld>
             <a:endParaRPr lang="en-US"/>
           </a:p>
@@ -1945,7 +1945,7 @@
           <a:lstStyle/>
           <a:p>
             <a:fld id="{5F491023-0B0A-7041-9F06-D25A50EF063B}" type="datetimeFigureOut">
-              <a:t>12/26/25</a:t>
+              <a:t>1/2/26</a:t>
             </a:fld>
             <a:endParaRPr lang="en-US"/>
           </a:p>
@@ -2056,7 +2056,7 @@
           <a:lstStyle/>
           <a:p>
             <a:fld id="{5F491023-0B0A-7041-9F06-D25A50EF063B}" type="datetimeFigureOut">
-              <a:t>12/26/25</a:t>
+              <a:t>1/2/26</a:t>
             </a:fld>
             <a:endParaRPr lang="en-US"/>
           </a:p>
@@ -2365,7 +2365,7 @@
           <a:lstStyle/>
           <a:p>
             <a:fld id="{5F491023-0B0A-7041-9F06-D25A50EF063B}" type="datetimeFigureOut">
-              <a:t>12/26/25</a:t>
+              <a:t>1/2/26</a:t>
             </a:fld>
             <a:endParaRPr lang="en-US"/>
           </a:p>
@@ -2651,7 +2651,7 @@
           <a:lstStyle/>
           <a:p>
             <a:fld id="{5F491023-0B0A-7041-9F06-D25A50EF063B}" type="datetimeFigureOut">
-              <a:t>12/26/25</a:t>
+              <a:t>1/2/26</a:t>
             </a:fld>
             <a:endParaRPr lang="en-US"/>
           </a:p>
@@ -2890,7 +2890,7 @@
           </a:lstStyle>
           <a:p>
             <a:fld id="{5F491023-0B0A-7041-9F06-D25A50EF063B}" type="datetimeFigureOut">
-              <a:t>12/26/25</a:t>
+              <a:t>1/2/26</a:t>
             </a:fld>
             <a:endParaRPr lang="en-US"/>
           </a:p>
@@ -6233,8 +6233,8 @@
         </p:blipFill>
         <p:spPr>
           <a:xfrm>
-            <a:off x="4505337" y="1578400"/>
-            <a:ext cx="2211400" cy="942497"/>
+            <a:off x="4505337" y="1262634"/>
+            <a:ext cx="2952288" cy="1258263"/>
           </a:xfrm>
           <a:prstGeom prst="rect">
             <a:avLst/>
@@ -6269,7 +6269,7 @@
         </p:blipFill>
         <p:spPr>
           <a:xfrm>
-            <a:off x="8664390" y="1664428"/>
+            <a:off x="8020926" y="2612690"/>
             <a:ext cx="2345981" cy="856469"/>
           </a:xfrm>
           <a:prstGeom prst="rect">
@@ -6291,8 +6291,8 @@
         </p:nvSpPr>
         <p:spPr>
           <a:xfrm>
-            <a:off x="8664390" y="1148172"/>
-            <a:ext cx="2701580" cy="261610"/>
+            <a:off x="10595504" y="2732802"/>
+            <a:ext cx="1472864" cy="430887"/>
           </a:xfrm>
           <a:prstGeom prst="rect">
             <a:avLst/>
@@ -6443,6 +6443,7 @@
               <a:rPr lang="en-US" sz="1100" dirty="0">
                 <a:latin typeface="Calibri" panose="020F0502020204030204" pitchFamily="34" charset="0"/>
                 <a:cs typeface="Calibri" panose="020F0502020204030204" pitchFamily="34" charset="0"/>
+                <a:hlinkClick r:id="rId4"/>
               </a:rPr>
               <a:t>https://</a:t>
             </a:r>
@@ -6450,6 +6451,7 @@
               <a:rPr lang="en-US" sz="1100" dirty="0" err="1">
                 <a:latin typeface="Calibri" panose="020F0502020204030204" pitchFamily="34" charset="0"/>
                 <a:cs typeface="Calibri" panose="020F0502020204030204" pitchFamily="34" charset="0"/>
+                <a:hlinkClick r:id="rId4"/>
               </a:rPr>
               <a:t>www.tricountyequipment.net</a:t>
             </a:r>
@@ -6457,9 +6459,14 @@
               <a:rPr lang="en-US" sz="1100" dirty="0">
                 <a:latin typeface="Calibri" panose="020F0502020204030204" pitchFamily="34" charset="0"/>
                 <a:cs typeface="Calibri" panose="020F0502020204030204" pitchFamily="34" charset="0"/>
+                <a:hlinkClick r:id="rId4"/>
               </a:rPr>
               <a:t>/new-equipment/residential/tractor-packages/gator-snow-packages/xuv835r-and-western-impact-hd-v-blade/</a:t>
             </a:r>
+            <a:endParaRPr lang="en-US" sz="1100" dirty="0">
+              <a:latin typeface="Calibri" panose="020F0502020204030204" pitchFamily="34" charset="0"/>
+              <a:cs typeface="Calibri" panose="020F0502020204030204" pitchFamily="34" charset="0"/>
+            </a:endParaRPr>
           </a:p>
           <a:p>
             <a:endParaRPr lang="en-US" sz="1100" dirty="0">
@@ -6646,42 +6653,6 @@
             <a:extLst>
               <a:ext uri="{FF2B5EF4-FFF2-40B4-BE49-F238E27FC236}">
                 <a16:creationId xmlns:a16="http://schemas.microsoft.com/office/drawing/2014/main" id="{6132AAD2-19BF-3D33-4143-BC3E0B65C7B4}"/>
-              </a:ext>
-            </a:extLst>
-          </p:cNvPr>
-          <p:cNvPicPr>
-            <a:picLocks noChangeAspect="1"/>
-          </p:cNvPicPr>
-          <p:nvPr/>
-        </p:nvPicPr>
-        <p:blipFill>
-          <a:blip r:embed="rId4" cstate="email">
-            <a:extLst>
-              <a:ext uri="{28A0092B-C50C-407E-A947-70E740481C1C}">
-                <a14:useLocalDpi xmlns:a14="http://schemas.microsoft.com/office/drawing/2010/main"/>
-              </a:ext>
-            </a:extLst>
-          </a:blip>
-          <a:stretch>
-            <a:fillRect/>
-          </a:stretch>
-        </p:blipFill>
-        <p:spPr>
-          <a:xfrm>
-            <a:off x="4505337" y="3972538"/>
-            <a:ext cx="1549400" cy="831850"/>
-          </a:xfrm>
-          <a:prstGeom prst="rect">
-            <a:avLst/>
-          </a:prstGeom>
-        </p:spPr>
-      </p:pic>
-      <p:pic>
-        <p:nvPicPr>
-          <p:cNvPr id="14" name="Picture 13">
-            <a:extLst>
-              <a:ext uri="{FF2B5EF4-FFF2-40B4-BE49-F238E27FC236}">
-                <a16:creationId xmlns:a16="http://schemas.microsoft.com/office/drawing/2014/main" id="{1425BF70-0BFD-FADB-F281-1AEA07513FE8}"/>
               </a:ext>
             </a:extLst>
           </p:cNvPr>
@@ -6704,6 +6675,42 @@
         </p:blipFill>
         <p:spPr>
           <a:xfrm>
+            <a:off x="4505337" y="3972538"/>
+            <a:ext cx="1549400" cy="831850"/>
+          </a:xfrm>
+          <a:prstGeom prst="rect">
+            <a:avLst/>
+          </a:prstGeom>
+        </p:spPr>
+      </p:pic>
+      <p:pic>
+        <p:nvPicPr>
+          <p:cNvPr id="14" name="Picture 13">
+            <a:extLst>
+              <a:ext uri="{FF2B5EF4-FFF2-40B4-BE49-F238E27FC236}">
+                <a16:creationId xmlns:a16="http://schemas.microsoft.com/office/drawing/2014/main" id="{1425BF70-0BFD-FADB-F281-1AEA07513FE8}"/>
+              </a:ext>
+            </a:extLst>
+          </p:cNvPr>
+          <p:cNvPicPr>
+            <a:picLocks noChangeAspect="1"/>
+          </p:cNvPicPr>
+          <p:nvPr/>
+        </p:nvPicPr>
+        <p:blipFill>
+          <a:blip r:embed="rId6" cstate="email">
+            <a:extLst>
+              <a:ext uri="{28A0092B-C50C-407E-A947-70E740481C1C}">
+                <a14:useLocalDpi xmlns:a14="http://schemas.microsoft.com/office/drawing/2010/main"/>
+              </a:ext>
+            </a:extLst>
+          </a:blip>
+          <a:stretch>
+            <a:fillRect/>
+          </a:stretch>
+        </p:blipFill>
+        <p:spPr>
+          <a:xfrm>
             <a:off x="4446592" y="5136331"/>
             <a:ext cx="2152293" cy="1258264"/>
           </a:xfrm>
@@ -6727,7 +6734,7 @@
           <p:nvPr/>
         </p:nvPicPr>
         <p:blipFill>
-          <a:blip r:embed="rId6" cstate="email">
+          <a:blip r:embed="rId7" cstate="email">
             <a:extLst>
               <a:ext uri="{28A0092B-C50C-407E-A947-70E740481C1C}">
                 <a14:useLocalDpi xmlns:a14="http://schemas.microsoft.com/office/drawing/2010/main"/>
@@ -6759,6 +6766,136 @@
           </a:extLst>
         </p:spPr>
       </p:pic>
+      <p:sp>
+        <p:nvSpPr>
+          <p:cNvPr id="5" name="TextBox 4">
+            <a:extLst>
+              <a:ext uri="{FF2B5EF4-FFF2-40B4-BE49-F238E27FC236}">
+                <a16:creationId xmlns:a16="http://schemas.microsoft.com/office/drawing/2014/main" id="{BC9D9810-36D8-5C6B-5D58-399895CAFE7B}"/>
+              </a:ext>
+            </a:extLst>
+          </p:cNvPr>
+          <p:cNvSpPr txBox="1"/>
+          <p:nvPr/>
+        </p:nvSpPr>
+        <p:spPr>
+          <a:xfrm>
+            <a:off x="7893924" y="1262634"/>
+            <a:ext cx="2701580" cy="1077218"/>
+          </a:xfrm>
+          <a:prstGeom prst="rect">
+            <a:avLst/>
+          </a:prstGeom>
+          <a:noFill/>
+        </p:spPr>
+        <p:txBody>
+          <a:bodyPr wrap="square" rtlCol="0">
+            <a:spAutoFit/>
+          </a:bodyPr>
+          <a:lstStyle/>
+          <a:p>
+            <a:r>
+              <a:rPr lang="en-US" sz="1600" b="1" dirty="0">
+                <a:solidFill>
+                  <a:srgbClr val="FF0000"/>
+                </a:solidFill>
+              </a:rPr>
+              <a:t>Western IMPACT UTV V-Plow </a:t>
+            </a:r>
+            <a:r>
+              <a:rPr lang="en-US" sz="1600" dirty="0"/>
+              <a:t>is the best choice because it explicitly includes back drag.</a:t>
+            </a:r>
+          </a:p>
+          <a:p>
+            <a:r>
+              <a:rPr lang="en-US" sz="1600" dirty="0"/>
+              <a:t>But it costs $4K+</a:t>
+            </a:r>
+          </a:p>
+        </p:txBody>
+      </p:sp>
+      <p:sp>
+        <p:nvSpPr>
+          <p:cNvPr id="4" name="TextBox 3">
+            <a:extLst>
+              <a:ext uri="{FF2B5EF4-FFF2-40B4-BE49-F238E27FC236}">
+                <a16:creationId xmlns:a16="http://schemas.microsoft.com/office/drawing/2014/main" id="{83508711-DC5F-8D94-0B31-39EBA077D262}"/>
+              </a:ext>
+            </a:extLst>
+          </p:cNvPr>
+          <p:cNvSpPr txBox="1"/>
+          <p:nvPr/>
+        </p:nvSpPr>
+        <p:spPr>
+          <a:xfrm>
+            <a:off x="7545999" y="4270937"/>
+            <a:ext cx="4394913" cy="1446550"/>
+          </a:xfrm>
+          <a:prstGeom prst="rect">
+            <a:avLst/>
+          </a:prstGeom>
+          <a:noFill/>
+        </p:spPr>
+        <p:txBody>
+          <a:bodyPr wrap="square" rtlCol="0">
+            <a:spAutoFit/>
+          </a:bodyPr>
+          <a:lstStyle/>
+          <a:p>
+            <a:r>
+              <a:rPr lang="en-US" sz="1100" dirty="0"/>
+              <a:t>Back drag solutions:</a:t>
+            </a:r>
+          </a:p>
+          <a:p>
+            <a:endParaRPr lang="en-US" sz="1100" dirty="0"/>
+          </a:p>
+          <a:p>
+            <a:r>
+              <a:rPr lang="en-US" sz="1100" dirty="0"/>
+              <a:t>Back Drag Blade Can-Am</a:t>
+            </a:r>
+          </a:p>
+          <a:p>
+            <a:r>
+              <a:rPr lang="en-US" sz="1100" dirty="0"/>
+              <a:t>https://can-am-</a:t>
+            </a:r>
+            <a:r>
+              <a:rPr lang="en-US" sz="1100" dirty="0" err="1"/>
+              <a:t>shop.brp.com</a:t>
+            </a:r>
+            <a:r>
+              <a:rPr lang="en-US" sz="1100" dirty="0"/>
+              <a:t>/off-road/us/</a:t>
+            </a:r>
+            <a:r>
+              <a:rPr lang="en-US" sz="1100" dirty="0" err="1"/>
+              <a:t>en</a:t>
+            </a:r>
+            <a:r>
+              <a:rPr lang="en-US" sz="1100" dirty="0"/>
+              <a:t>/back-drag-blade-can-am-715007794.htm</a:t>
+            </a:r>
+          </a:p>
+          <a:p>
+            <a:endParaRPr lang="en-US" sz="1100" dirty="0"/>
+          </a:p>
+          <a:p>
+            <a:r>
+              <a:rPr lang="en-US" sz="1100" dirty="0"/>
+              <a:t>Western 66892 8 ft. Back Drag Edge</a:t>
+            </a:r>
+          </a:p>
+          <a:p>
+            <a:r>
+              <a:rPr lang="en-US" sz="1100" dirty="0"/>
+              <a:t>https://www.4qte.com/prd-583-western-66892-8-ft.-back-drag-edge</a:t>
+            </a:r>
+          </a:p>
+        </p:txBody>
+      </p:sp>
     </p:spTree>
     <p:extLst>
       <p:ext uri="{BB962C8B-B14F-4D97-AF65-F5344CB8AC3E}">

--- a/snow_plow_blower.pptx
+++ b/snow_plow_blower.pptx
@@ -10,6 +10,7 @@
     <p:sldId id="263" r:id="rId4"/>
     <p:sldId id="265" r:id="rId5"/>
     <p:sldId id="264" r:id="rId6"/>
+    <p:sldId id="266" r:id="rId7"/>
   </p:sldIdLst>
   <p:sldSz cx="12192000" cy="6858000"/>
   <p:notesSz cx="6858000" cy="9144000"/>
@@ -262,7 +263,7 @@
           <a:lstStyle/>
           <a:p>
             <a:fld id="{5F491023-0B0A-7041-9F06-D25A50EF063B}" type="datetimeFigureOut">
-              <a:t>1/2/26</a:t>
+              <a:t>1/11/26</a:t>
             </a:fld>
             <a:endParaRPr lang="en-US"/>
           </a:p>
@@ -458,7 +459,7 @@
           <a:lstStyle/>
           <a:p>
             <a:fld id="{5F491023-0B0A-7041-9F06-D25A50EF063B}" type="datetimeFigureOut">
-              <a:t>1/2/26</a:t>
+              <a:t>1/11/26</a:t>
             </a:fld>
             <a:endParaRPr lang="en-US"/>
           </a:p>
@@ -664,7 +665,7 @@
           <a:lstStyle/>
           <a:p>
             <a:fld id="{5F491023-0B0A-7041-9F06-D25A50EF063B}" type="datetimeFigureOut">
-              <a:t>1/2/26</a:t>
+              <a:t>1/11/26</a:t>
             </a:fld>
             <a:endParaRPr lang="en-US"/>
           </a:p>
@@ -860,7 +861,7 @@
           <a:lstStyle/>
           <a:p>
             <a:fld id="{5F491023-0B0A-7041-9F06-D25A50EF063B}" type="datetimeFigureOut">
-              <a:t>1/2/26</a:t>
+              <a:t>1/11/26</a:t>
             </a:fld>
             <a:endParaRPr lang="en-US"/>
           </a:p>
@@ -1133,7 +1134,7 @@
           <a:lstStyle/>
           <a:p>
             <a:fld id="{5F491023-0B0A-7041-9F06-D25A50EF063B}" type="datetimeFigureOut">
-              <a:t>1/2/26</a:t>
+              <a:t>1/11/26</a:t>
             </a:fld>
             <a:endParaRPr lang="en-US"/>
           </a:p>
@@ -1396,7 +1397,7 @@
           <a:lstStyle/>
           <a:p>
             <a:fld id="{5F491023-0B0A-7041-9F06-D25A50EF063B}" type="datetimeFigureOut">
-              <a:t>1/2/26</a:t>
+              <a:t>1/11/26</a:t>
             </a:fld>
             <a:endParaRPr lang="en-US"/>
           </a:p>
@@ -1806,7 +1807,7 @@
           <a:lstStyle/>
           <a:p>
             <a:fld id="{5F491023-0B0A-7041-9F06-D25A50EF063B}" type="datetimeFigureOut">
-              <a:t>1/2/26</a:t>
+              <a:t>1/11/26</a:t>
             </a:fld>
             <a:endParaRPr lang="en-US"/>
           </a:p>
@@ -1945,7 +1946,7 @@
           <a:lstStyle/>
           <a:p>
             <a:fld id="{5F491023-0B0A-7041-9F06-D25A50EF063B}" type="datetimeFigureOut">
-              <a:t>1/2/26</a:t>
+              <a:t>1/11/26</a:t>
             </a:fld>
             <a:endParaRPr lang="en-US"/>
           </a:p>
@@ -2056,7 +2057,7 @@
           <a:lstStyle/>
           <a:p>
             <a:fld id="{5F491023-0B0A-7041-9F06-D25A50EF063B}" type="datetimeFigureOut">
-              <a:t>1/2/26</a:t>
+              <a:t>1/11/26</a:t>
             </a:fld>
             <a:endParaRPr lang="en-US"/>
           </a:p>
@@ -2365,7 +2366,7 @@
           <a:lstStyle/>
           <a:p>
             <a:fld id="{5F491023-0B0A-7041-9F06-D25A50EF063B}" type="datetimeFigureOut">
-              <a:t>1/2/26</a:t>
+              <a:t>1/11/26</a:t>
             </a:fld>
             <a:endParaRPr lang="en-US"/>
           </a:p>
@@ -2651,7 +2652,7 @@
           <a:lstStyle/>
           <a:p>
             <a:fld id="{5F491023-0B0A-7041-9F06-D25A50EF063B}" type="datetimeFigureOut">
-              <a:t>1/2/26</a:t>
+              <a:t>1/11/26</a:t>
             </a:fld>
             <a:endParaRPr lang="en-US"/>
           </a:p>
@@ -2890,7 +2891,7 @@
           </a:lstStyle>
           <a:p>
             <a:fld id="{5F491023-0B0A-7041-9F06-D25A50EF063B}" type="datetimeFigureOut">
-              <a:t>1/2/26</a:t>
+              <a:t>1/11/26</a:t>
             </a:fld>
             <a:endParaRPr lang="en-US"/>
           </a:p>
@@ -6269,7 +6270,7 @@
         </p:blipFill>
         <p:spPr>
           <a:xfrm>
-            <a:off x="8020926" y="2612690"/>
+            <a:off x="8068001" y="1298390"/>
             <a:ext cx="2345981" cy="856469"/>
           </a:xfrm>
           <a:prstGeom prst="rect">
@@ -6291,7 +6292,7 @@
         </p:nvSpPr>
         <p:spPr>
           <a:xfrm>
-            <a:off x="10595504" y="2732802"/>
+            <a:off x="10642579" y="1418502"/>
             <a:ext cx="1472864" cy="430887"/>
           </a:xfrm>
           <a:prstGeom prst="rect">
@@ -6780,7 +6781,7 @@
         </p:nvSpPr>
         <p:spPr>
           <a:xfrm>
-            <a:off x="7893924" y="1262634"/>
+            <a:off x="7843126" y="211917"/>
             <a:ext cx="2701580" cy="1077218"/>
           </a:xfrm>
           <a:prstGeom prst="rect">
@@ -6829,7 +6830,7 @@
         </p:nvSpPr>
         <p:spPr>
           <a:xfrm>
-            <a:off x="7545999" y="4270937"/>
+            <a:off x="7603487" y="2452513"/>
             <a:ext cx="4394913" cy="1446550"/>
           </a:xfrm>
           <a:prstGeom prst="rect">
@@ -6896,10 +6897,632 @@
           </a:p>
         </p:txBody>
       </p:sp>
+      <p:sp>
+        <p:nvSpPr>
+          <p:cNvPr id="7" name="TextBox 6">
+            <a:extLst>
+              <a:ext uri="{FF2B5EF4-FFF2-40B4-BE49-F238E27FC236}">
+                <a16:creationId xmlns:a16="http://schemas.microsoft.com/office/drawing/2014/main" id="{25C845C6-5B60-556F-C54B-C1BD0B5F903A}"/>
+              </a:ext>
+            </a:extLst>
+          </p:cNvPr>
+          <p:cNvSpPr txBox="1"/>
+          <p:nvPr/>
+        </p:nvSpPr>
+        <p:spPr>
+          <a:xfrm>
+            <a:off x="7452864" y="4240577"/>
+            <a:ext cx="3790869" cy="261610"/>
+          </a:xfrm>
+          <a:prstGeom prst="rect">
+            <a:avLst/>
+          </a:prstGeom>
+          <a:noFill/>
+        </p:spPr>
+        <p:txBody>
+          <a:bodyPr wrap="square" rtlCol="0">
+            <a:spAutoFit/>
+          </a:bodyPr>
+          <a:lstStyle/>
+          <a:p>
+            <a:r>
+              <a:rPr lang="en-US" sz="1100" dirty="0">
+                <a:hlinkClick r:id="rId8"/>
+              </a:rPr>
+              <a:t>https://snoway.com</a:t>
+            </a:r>
+            <a:r>
+              <a:rPr lang="en-US" sz="1100" dirty="0"/>
+              <a:t> – Sno-Way V-plow similar to Western</a:t>
+            </a:r>
+          </a:p>
+        </p:txBody>
+      </p:sp>
+      <p:pic>
+        <p:nvPicPr>
+          <p:cNvPr id="8" name="Picture 7">
+            <a:extLst>
+              <a:ext uri="{FF2B5EF4-FFF2-40B4-BE49-F238E27FC236}">
+                <a16:creationId xmlns:a16="http://schemas.microsoft.com/office/drawing/2014/main" id="{13F2681B-617B-95CF-5EE1-F8BC5BCC3E5E}"/>
+              </a:ext>
+            </a:extLst>
+          </p:cNvPr>
+          <p:cNvPicPr>
+            <a:picLocks noChangeAspect="1"/>
+          </p:cNvPicPr>
+          <p:nvPr/>
+        </p:nvPicPr>
+        <p:blipFill>
+          <a:blip r:embed="rId9" cstate="email">
+            <a:extLst>
+              <a:ext uri="{28A0092B-C50C-407E-A947-70E740481C1C}">
+                <a14:useLocalDpi xmlns:a14="http://schemas.microsoft.com/office/drawing/2010/main"/>
+              </a:ext>
+            </a:extLst>
+          </a:blip>
+          <a:stretch>
+            <a:fillRect/>
+          </a:stretch>
+        </p:blipFill>
+        <p:spPr>
+          <a:xfrm>
+            <a:off x="7843126" y="4599108"/>
+            <a:ext cx="2671837" cy="2047513"/>
+          </a:xfrm>
+          <a:prstGeom prst="rect">
+            <a:avLst/>
+          </a:prstGeom>
+        </p:spPr>
+      </p:pic>
     </p:spTree>
     <p:extLst>
       <p:ext uri="{BB962C8B-B14F-4D97-AF65-F5344CB8AC3E}">
         <p14:creationId xmlns:p14="http://schemas.microsoft.com/office/powerpoint/2010/main" val="2159689119"/>
+      </p:ext>
+    </p:extLst>
+  </p:cSld>
+  <p:clrMapOvr>
+    <a:masterClrMapping/>
+  </p:clrMapOvr>
+</p:sld>
+</file>
+
+<file path=ppt/slides/slide6.xml><?xml version="1.0" encoding="utf-8"?>
+<p:sld xmlns:a="http://schemas.openxmlformats.org/drawingml/2006/main" xmlns:r="http://schemas.openxmlformats.org/officeDocument/2006/relationships" xmlns:p="http://schemas.openxmlformats.org/presentationml/2006/main">
+  <p:cSld>
+    <p:spTree>
+      <p:nvGrpSpPr>
+        <p:cNvPr id="1" name="">
+          <a:extLst>
+            <a:ext uri="{FF2B5EF4-FFF2-40B4-BE49-F238E27FC236}">
+              <a16:creationId xmlns:a16="http://schemas.microsoft.com/office/drawing/2014/main" id="{84AC1C7A-0E76-ABB4-D69F-724A22AA8CB3}"/>
+            </a:ext>
+          </a:extLst>
+        </p:cNvPr>
+        <p:cNvGrpSpPr/>
+        <p:nvPr/>
+      </p:nvGrpSpPr>
+      <p:grpSpPr>
+        <a:xfrm>
+          <a:off x="0" y="0"/>
+          <a:ext cx="0" cy="0"/>
+          <a:chOff x="0" y="0"/>
+          <a:chExt cx="0" cy="0"/>
+        </a:xfrm>
+      </p:grpSpPr>
+      <p:sp>
+        <p:nvSpPr>
+          <p:cNvPr id="2" name="TextBox 1">
+            <a:extLst>
+              <a:ext uri="{FF2B5EF4-FFF2-40B4-BE49-F238E27FC236}">
+                <a16:creationId xmlns:a16="http://schemas.microsoft.com/office/drawing/2014/main" id="{ED823884-F214-65FC-D4DC-F6CE3A3AD4B8}"/>
+              </a:ext>
+            </a:extLst>
+          </p:cNvPr>
+          <p:cNvSpPr txBox="1"/>
+          <p:nvPr/>
+        </p:nvSpPr>
+        <p:spPr>
+          <a:xfrm>
+            <a:off x="143219" y="198303"/>
+            <a:ext cx="3514381" cy="369332"/>
+          </a:xfrm>
+          <a:prstGeom prst="rect">
+            <a:avLst/>
+          </a:prstGeom>
+          <a:noFill/>
+        </p:spPr>
+        <p:txBody>
+          <a:bodyPr wrap="square" rtlCol="0">
+            <a:spAutoFit/>
+          </a:bodyPr>
+          <a:lstStyle/>
+          <a:p>
+            <a:r>
+              <a:rPr lang="en-US" dirty="0"/>
+              <a:t>Snow Shovels</a:t>
+            </a:r>
+          </a:p>
+        </p:txBody>
+      </p:sp>
+      <p:sp>
+        <p:nvSpPr>
+          <p:cNvPr id="12" name="TextBox 11">
+            <a:extLst>
+              <a:ext uri="{FF2B5EF4-FFF2-40B4-BE49-F238E27FC236}">
+                <a16:creationId xmlns:a16="http://schemas.microsoft.com/office/drawing/2014/main" id="{81C3F313-C0E5-3C5B-B089-F60FD3402B3F}"/>
+              </a:ext>
+            </a:extLst>
+          </p:cNvPr>
+          <p:cNvSpPr txBox="1"/>
+          <p:nvPr/>
+        </p:nvSpPr>
+        <p:spPr>
+          <a:xfrm>
+            <a:off x="76557" y="1098976"/>
+            <a:ext cx="4394914" cy="600164"/>
+          </a:xfrm>
+          <a:prstGeom prst="rect">
+            <a:avLst/>
+          </a:prstGeom>
+          <a:noFill/>
+        </p:spPr>
+        <p:txBody>
+          <a:bodyPr wrap="square" rtlCol="0">
+            <a:spAutoFit/>
+          </a:bodyPr>
+          <a:lstStyle/>
+          <a:p>
+            <a:r>
+              <a:rPr lang="en-US" sz="1100" dirty="0">
+                <a:latin typeface="Calibri" panose="020F0502020204030204" pitchFamily="34" charset="0"/>
+                <a:cs typeface="Calibri" panose="020F0502020204030204" pitchFamily="34" charset="0"/>
+              </a:rPr>
+              <a:t>https://</a:t>
+            </a:r>
+            <a:r>
+              <a:rPr lang="en-US" sz="1100" dirty="0" err="1">
+                <a:latin typeface="Calibri" panose="020F0502020204030204" pitchFamily="34" charset="0"/>
+                <a:cs typeface="Calibri" panose="020F0502020204030204" pitchFamily="34" charset="0"/>
+              </a:rPr>
+              <a:t>www.youtube.com</a:t>
+            </a:r>
+            <a:r>
+              <a:rPr lang="en-US" sz="1100" dirty="0">
+                <a:latin typeface="Calibri" panose="020F0502020204030204" pitchFamily="34" charset="0"/>
+                <a:cs typeface="Calibri" panose="020F0502020204030204" pitchFamily="34" charset="0"/>
+              </a:rPr>
+              <a:t>/</a:t>
+            </a:r>
+            <a:r>
+              <a:rPr lang="en-US" sz="1100" dirty="0" err="1">
+                <a:latin typeface="Calibri" panose="020F0502020204030204" pitchFamily="34" charset="0"/>
+                <a:cs typeface="Calibri" panose="020F0502020204030204" pitchFamily="34" charset="0"/>
+              </a:rPr>
+              <a:t>watch?v</a:t>
+            </a:r>
+            <a:r>
+              <a:rPr lang="en-US" sz="1100" dirty="0">
+                <a:latin typeface="Calibri" panose="020F0502020204030204" pitchFamily="34" charset="0"/>
+                <a:cs typeface="Calibri" panose="020F0502020204030204" pitchFamily="34" charset="0"/>
+              </a:rPr>
+              <a:t>=M3OsMTyofe0  - video comparison</a:t>
+            </a:r>
+          </a:p>
+          <a:p>
+            <a:r>
+              <a:rPr lang="en-US" sz="1100" dirty="0">
+                <a:latin typeface="Calibri" panose="020F0502020204030204" pitchFamily="34" charset="0"/>
+                <a:cs typeface="Calibri" panose="020F0502020204030204" pitchFamily="34" charset="0"/>
+              </a:rPr>
+              <a:t>https://</a:t>
+            </a:r>
+            <a:r>
+              <a:rPr lang="en-US" sz="1100" dirty="0" err="1">
+                <a:latin typeface="Calibri" panose="020F0502020204030204" pitchFamily="34" charset="0"/>
+                <a:cs typeface="Calibri" panose="020F0502020204030204" pitchFamily="34" charset="0"/>
+              </a:rPr>
+              <a:t>www.amazon.com</a:t>
+            </a:r>
+            <a:r>
+              <a:rPr lang="en-US" sz="1100" dirty="0">
+                <a:latin typeface="Calibri" panose="020F0502020204030204" pitchFamily="34" charset="0"/>
+                <a:cs typeface="Calibri" panose="020F0502020204030204" pitchFamily="34" charset="0"/>
+              </a:rPr>
+              <a:t>/</a:t>
+            </a:r>
+            <a:r>
+              <a:rPr lang="en-US" sz="1100" dirty="0" err="1">
+                <a:latin typeface="Calibri" panose="020F0502020204030204" pitchFamily="34" charset="0"/>
+                <a:cs typeface="Calibri" panose="020F0502020204030204" pitchFamily="34" charset="0"/>
+              </a:rPr>
+              <a:t>dp</a:t>
+            </a:r>
+            <a:r>
+              <a:rPr lang="en-US" sz="1100" dirty="0">
+                <a:latin typeface="Calibri" panose="020F0502020204030204" pitchFamily="34" charset="0"/>
+                <a:cs typeface="Calibri" panose="020F0502020204030204" pitchFamily="34" charset="0"/>
+              </a:rPr>
+              <a:t>/B0G1YBMSVL - </a:t>
+            </a:r>
+            <a:r>
+              <a:rPr lang="en-US" sz="1100" dirty="0" err="1">
+                <a:latin typeface="Calibri" panose="020F0502020204030204" pitchFamily="34" charset="0"/>
+                <a:cs typeface="Calibri" panose="020F0502020204030204" pitchFamily="34" charset="0"/>
+              </a:rPr>
+              <a:t>Litheli</a:t>
+            </a:r>
+            <a:r>
+              <a:rPr lang="en-US" sz="1100" dirty="0">
+                <a:latin typeface="Calibri" panose="020F0502020204030204" pitchFamily="34" charset="0"/>
+                <a:cs typeface="Calibri" panose="020F0502020204030204" pitchFamily="34" charset="0"/>
+              </a:rPr>
+              <a:t> 40V (2×20V) Cordless Snow Shovel with Directional Plate &amp; Adjustable Handle, 14-Inch</a:t>
+            </a:r>
+          </a:p>
+        </p:txBody>
+      </p:sp>
+      <p:pic>
+        <p:nvPicPr>
+          <p:cNvPr id="7" name="Picture 6">
+            <a:extLst>
+              <a:ext uri="{FF2B5EF4-FFF2-40B4-BE49-F238E27FC236}">
+                <a16:creationId xmlns:a16="http://schemas.microsoft.com/office/drawing/2014/main" id="{82FD6872-F4B7-0819-5797-2F74EF9B2F60}"/>
+              </a:ext>
+            </a:extLst>
+          </p:cNvPr>
+          <p:cNvPicPr>
+            <a:picLocks noChangeAspect="1"/>
+          </p:cNvPicPr>
+          <p:nvPr/>
+        </p:nvPicPr>
+        <p:blipFill>
+          <a:blip r:embed="rId2" cstate="email">
+            <a:extLst>
+              <a:ext uri="{28A0092B-C50C-407E-A947-70E740481C1C}">
+                <a14:useLocalDpi xmlns:a14="http://schemas.microsoft.com/office/drawing/2010/main"/>
+              </a:ext>
+            </a:extLst>
+          </a:blip>
+          <a:stretch>
+            <a:fillRect/>
+          </a:stretch>
+        </p:blipFill>
+        <p:spPr>
+          <a:xfrm>
+            <a:off x="726487" y="2036757"/>
+            <a:ext cx="2347843" cy="2784485"/>
+          </a:xfrm>
+          <a:prstGeom prst="rect">
+            <a:avLst/>
+          </a:prstGeom>
+        </p:spPr>
+      </p:pic>
+      <p:sp>
+        <p:nvSpPr>
+          <p:cNvPr id="9" name="TextBox 8">
+            <a:extLst>
+              <a:ext uri="{FF2B5EF4-FFF2-40B4-BE49-F238E27FC236}">
+                <a16:creationId xmlns:a16="http://schemas.microsoft.com/office/drawing/2014/main" id="{D42B9A2F-F19F-2AB3-026E-CA6DAEF17597}"/>
+              </a:ext>
+            </a:extLst>
+          </p:cNvPr>
+          <p:cNvSpPr txBox="1"/>
+          <p:nvPr/>
+        </p:nvSpPr>
+        <p:spPr>
+          <a:xfrm>
+            <a:off x="89257" y="5759024"/>
+            <a:ext cx="5219343" cy="600164"/>
+          </a:xfrm>
+          <a:prstGeom prst="rect">
+            <a:avLst/>
+          </a:prstGeom>
+          <a:noFill/>
+        </p:spPr>
+        <p:txBody>
+          <a:bodyPr wrap="square" rtlCol="0">
+            <a:spAutoFit/>
+          </a:bodyPr>
+          <a:lstStyle/>
+          <a:p>
+            <a:r>
+              <a:rPr lang="en-US" sz="1100" dirty="0">
+                <a:latin typeface="Calibri" panose="020F0502020204030204" pitchFamily="34" charset="0"/>
+                <a:cs typeface="Calibri" panose="020F0502020204030204" pitchFamily="34" charset="0"/>
+              </a:rPr>
+              <a:t>► 3. EGO Power+ Electric Snow Shovel - https://</a:t>
+            </a:r>
+            <a:r>
+              <a:rPr lang="en-US" sz="1100" dirty="0" err="1">
+                <a:latin typeface="Calibri" panose="020F0502020204030204" pitchFamily="34" charset="0"/>
+                <a:cs typeface="Calibri" panose="020F0502020204030204" pitchFamily="34" charset="0"/>
+              </a:rPr>
+              <a:t>geni.us</a:t>
+            </a:r>
+            <a:r>
+              <a:rPr lang="en-US" sz="1100" dirty="0">
+                <a:latin typeface="Calibri" panose="020F0502020204030204" pitchFamily="34" charset="0"/>
+                <a:cs typeface="Calibri" panose="020F0502020204030204" pitchFamily="34" charset="0"/>
+              </a:rPr>
+              <a:t>/WBJ5A. -expensive</a:t>
+            </a:r>
+          </a:p>
+          <a:p>
+            <a:r>
+              <a:rPr lang="en-US" sz="1100" dirty="0">
+                <a:latin typeface="Calibri" panose="020F0502020204030204" pitchFamily="34" charset="0"/>
+                <a:cs typeface="Calibri" panose="020F0502020204030204" pitchFamily="34" charset="0"/>
+              </a:rPr>
+              <a:t>► 2. Toro 60V Power Shovel - https://</a:t>
+            </a:r>
+            <a:r>
+              <a:rPr lang="en-US" sz="1100" dirty="0" err="1">
+                <a:latin typeface="Calibri" panose="020F0502020204030204" pitchFamily="34" charset="0"/>
+                <a:cs typeface="Calibri" panose="020F0502020204030204" pitchFamily="34" charset="0"/>
+              </a:rPr>
+              <a:t>geni.us</a:t>
+            </a:r>
+            <a:r>
+              <a:rPr lang="en-US" sz="1100" dirty="0">
+                <a:latin typeface="Calibri" panose="020F0502020204030204" pitchFamily="34" charset="0"/>
+                <a:cs typeface="Calibri" panose="020F0502020204030204" pitchFamily="34" charset="0"/>
+              </a:rPr>
+              <a:t>/</a:t>
+            </a:r>
+            <a:r>
+              <a:rPr lang="en-US" sz="1100" dirty="0" err="1">
+                <a:latin typeface="Calibri" panose="020F0502020204030204" pitchFamily="34" charset="0"/>
+                <a:cs typeface="Calibri" panose="020F0502020204030204" pitchFamily="34" charset="0"/>
+              </a:rPr>
+              <a:t>IYwEh</a:t>
+            </a:r>
+            <a:r>
+              <a:rPr lang="en-US" sz="1100" dirty="0">
+                <a:latin typeface="Calibri" panose="020F0502020204030204" pitchFamily="34" charset="0"/>
+                <a:cs typeface="Calibri" panose="020F0502020204030204" pitchFamily="34" charset="0"/>
+              </a:rPr>
+              <a:t> </a:t>
+            </a:r>
+            <a:r>
+              <a:rPr lang="en-US" sz="1100">
+                <a:latin typeface="Calibri" panose="020F0502020204030204" pitchFamily="34" charset="0"/>
+                <a:cs typeface="Calibri" panose="020F0502020204030204" pitchFamily="34" charset="0"/>
+              </a:rPr>
+              <a:t>- heavy</a:t>
+            </a:r>
+            <a:endParaRPr lang="en-US" sz="1100" dirty="0">
+              <a:latin typeface="Calibri" panose="020F0502020204030204" pitchFamily="34" charset="0"/>
+              <a:cs typeface="Calibri" panose="020F0502020204030204" pitchFamily="34" charset="0"/>
+            </a:endParaRPr>
+          </a:p>
+          <a:p>
+            <a:r>
+              <a:rPr lang="en-US" sz="1100" dirty="0">
+                <a:latin typeface="Calibri" panose="020F0502020204030204" pitchFamily="34" charset="0"/>
+                <a:cs typeface="Calibri" panose="020F0502020204030204" pitchFamily="34" charset="0"/>
+              </a:rPr>
+              <a:t>► 1. Greenworks 80V 12" Cordless Snow Shovel - https://</a:t>
+            </a:r>
+            <a:r>
+              <a:rPr lang="en-US" sz="1100" dirty="0" err="1">
+                <a:latin typeface="Calibri" panose="020F0502020204030204" pitchFamily="34" charset="0"/>
+                <a:cs typeface="Calibri" panose="020F0502020204030204" pitchFamily="34" charset="0"/>
+              </a:rPr>
+              <a:t>geni.us</a:t>
+            </a:r>
+            <a:r>
+              <a:rPr lang="en-US" sz="1100" dirty="0">
+                <a:latin typeface="Calibri" panose="020F0502020204030204" pitchFamily="34" charset="0"/>
+                <a:cs typeface="Calibri" panose="020F0502020204030204" pitchFamily="34" charset="0"/>
+              </a:rPr>
+              <a:t>/</a:t>
+            </a:r>
+            <a:r>
+              <a:rPr lang="en-US" sz="1100" dirty="0" err="1">
+                <a:latin typeface="Calibri" panose="020F0502020204030204" pitchFamily="34" charset="0"/>
+                <a:cs typeface="Calibri" panose="020F0502020204030204" pitchFamily="34" charset="0"/>
+              </a:rPr>
+              <a:t>JMkppek</a:t>
+            </a:r>
+            <a:endParaRPr lang="en-US" sz="1100" dirty="0">
+              <a:latin typeface="Calibri" panose="020F0502020204030204" pitchFamily="34" charset="0"/>
+              <a:cs typeface="Calibri" panose="020F0502020204030204" pitchFamily="34" charset="0"/>
+            </a:endParaRPr>
+          </a:p>
+        </p:txBody>
+      </p:sp>
+      <p:pic>
+        <p:nvPicPr>
+          <p:cNvPr id="3" name="Picture 2">
+            <a:extLst>
+              <a:ext uri="{FF2B5EF4-FFF2-40B4-BE49-F238E27FC236}">
+                <a16:creationId xmlns:a16="http://schemas.microsoft.com/office/drawing/2014/main" id="{9E5F7792-7591-4CAF-A97A-FB77DF26D654}"/>
+              </a:ext>
+            </a:extLst>
+          </p:cNvPr>
+          <p:cNvPicPr>
+            <a:picLocks noChangeAspect="1"/>
+          </p:cNvPicPr>
+          <p:nvPr/>
+        </p:nvPicPr>
+        <p:blipFill>
+          <a:blip r:embed="rId3" cstate="email">
+            <a:extLst>
+              <a:ext uri="{28A0092B-C50C-407E-A947-70E740481C1C}">
+                <a14:useLocalDpi xmlns:a14="http://schemas.microsoft.com/office/drawing/2010/main"/>
+              </a:ext>
+            </a:extLst>
+          </a:blip>
+          <a:stretch>
+            <a:fillRect/>
+          </a:stretch>
+        </p:blipFill>
+        <p:spPr>
+          <a:xfrm>
+            <a:off x="8128000" y="2925622"/>
+            <a:ext cx="3777322" cy="3837553"/>
+          </a:xfrm>
+          <a:prstGeom prst="rect">
+            <a:avLst/>
+          </a:prstGeom>
+        </p:spPr>
+      </p:pic>
+      <p:sp>
+        <p:nvSpPr>
+          <p:cNvPr id="4" name="TextBox 3">
+            <a:extLst>
+              <a:ext uri="{FF2B5EF4-FFF2-40B4-BE49-F238E27FC236}">
+                <a16:creationId xmlns:a16="http://schemas.microsoft.com/office/drawing/2014/main" id="{39EA2680-F2F0-1D47-2F79-0153005D4A6E}"/>
+              </a:ext>
+            </a:extLst>
+          </p:cNvPr>
+          <p:cNvSpPr txBox="1"/>
+          <p:nvPr/>
+        </p:nvSpPr>
+        <p:spPr>
+          <a:xfrm>
+            <a:off x="6913390" y="2333152"/>
+            <a:ext cx="3777323" cy="1431161"/>
+          </a:xfrm>
+          <a:prstGeom prst="rect">
+            <a:avLst/>
+          </a:prstGeom>
+          <a:noFill/>
+        </p:spPr>
+        <p:txBody>
+          <a:bodyPr wrap="square" rtlCol="0">
+            <a:spAutoFit/>
+          </a:bodyPr>
+          <a:lstStyle/>
+          <a:p>
+            <a:r>
+              <a:rPr lang="en-US" sz="1600" b="1" dirty="0">
+                <a:solidFill>
+                  <a:srgbClr val="FF0000"/>
+                </a:solidFill>
+                <a:latin typeface="Calibri" panose="020F0502020204030204" pitchFamily="34" charset="0"/>
+                <a:cs typeface="Calibri" panose="020F0502020204030204" pitchFamily="34" charset="0"/>
+              </a:rPr>
+              <a:t>Greenworks </a:t>
+            </a:r>
+          </a:p>
+          <a:p>
+            <a:pPr marL="171450" indent="-171450">
+              <a:buFont typeface="Arial" panose="020B0604020202020204" pitchFamily="34" charset="0"/>
+              <a:buChar char="•"/>
+            </a:pPr>
+            <a:r>
+              <a:rPr lang="en-US" sz="1100" dirty="0">
+                <a:latin typeface="Calibri" panose="020F0502020204030204" pitchFamily="34" charset="0"/>
+                <a:cs typeface="Calibri" panose="020F0502020204030204" pitchFamily="34" charset="0"/>
+              </a:rPr>
+              <a:t>80V 12" Cordless Battery LED Snow Shovel </a:t>
+            </a:r>
+          </a:p>
+          <a:p>
+            <a:pPr marL="171450" indent="-171450">
+              <a:buFont typeface="Arial" panose="020B0604020202020204" pitchFamily="34" charset="0"/>
+              <a:buChar char="•"/>
+            </a:pPr>
+            <a:r>
+              <a:rPr lang="en-US" sz="1100" dirty="0">
+                <a:latin typeface="Calibri" panose="020F0502020204030204" pitchFamily="34" charset="0"/>
+                <a:cs typeface="Calibri" panose="020F0502020204030204" pitchFamily="34" charset="0"/>
+              </a:rPr>
+              <a:t>w/ 4.0Ah Battery &amp; 6A Charger</a:t>
+            </a:r>
+          </a:p>
+          <a:p>
+            <a:pPr marL="171450" indent="-171450">
+              <a:buFont typeface="Arial" panose="020B0604020202020204" pitchFamily="34" charset="0"/>
+              <a:buChar char="•"/>
+            </a:pPr>
+            <a:r>
+              <a:rPr lang="en-US" sz="1100" dirty="0">
+                <a:latin typeface="Calibri" panose="020F0502020204030204" pitchFamily="34" charset="0"/>
+                <a:cs typeface="Calibri" panose="020F0502020204030204" pitchFamily="34" charset="0"/>
+                <a:hlinkClick r:id="rId4"/>
+              </a:rPr>
+              <a:t>https://www.greenworkstools.com/products/80v-12-cordless-battery-snow-shovel-w-4-0ah-battery-6a-charger</a:t>
+            </a:r>
+            <a:endParaRPr lang="en-US" sz="1100" dirty="0">
+              <a:latin typeface="Calibri" panose="020F0502020204030204" pitchFamily="34" charset="0"/>
+              <a:cs typeface="Calibri" panose="020F0502020204030204" pitchFamily="34" charset="0"/>
+            </a:endParaRPr>
+          </a:p>
+          <a:p>
+            <a:pPr marL="171450" indent="-171450">
+              <a:buFont typeface="Arial" panose="020B0604020202020204" pitchFamily="34" charset="0"/>
+              <a:buChar char="•"/>
+            </a:pPr>
+            <a:r>
+              <a:rPr lang="en-US" sz="1100" dirty="0">
+                <a:latin typeface="Calibri" panose="020F0502020204030204" pitchFamily="34" charset="0"/>
+                <a:cs typeface="Calibri" panose="020F0502020204030204" pitchFamily="34" charset="0"/>
+                <a:hlinkClick r:id="rId5"/>
+              </a:rPr>
+              <a:t>https://</a:t>
+            </a:r>
+            <a:r>
+              <a:rPr lang="en-US" sz="1100" dirty="0" err="1">
+                <a:latin typeface="Calibri" panose="020F0502020204030204" pitchFamily="34" charset="0"/>
+                <a:cs typeface="Calibri" panose="020F0502020204030204" pitchFamily="34" charset="0"/>
+                <a:hlinkClick r:id="rId5"/>
+              </a:rPr>
+              <a:t>www.youtube.com</a:t>
+            </a:r>
+            <a:r>
+              <a:rPr lang="en-US" sz="1100" dirty="0">
+                <a:latin typeface="Calibri" panose="020F0502020204030204" pitchFamily="34" charset="0"/>
+                <a:cs typeface="Calibri" panose="020F0502020204030204" pitchFamily="34" charset="0"/>
+                <a:hlinkClick r:id="rId5"/>
+              </a:rPr>
+              <a:t>/</a:t>
+            </a:r>
+            <a:r>
+              <a:rPr lang="en-US" sz="1100" dirty="0" err="1">
+                <a:latin typeface="Calibri" panose="020F0502020204030204" pitchFamily="34" charset="0"/>
+                <a:cs typeface="Calibri" panose="020F0502020204030204" pitchFamily="34" charset="0"/>
+                <a:hlinkClick r:id="rId5"/>
+              </a:rPr>
+              <a:t>watch?v</a:t>
+            </a:r>
+            <a:r>
+              <a:rPr lang="en-US" sz="1100" dirty="0">
+                <a:latin typeface="Calibri" panose="020F0502020204030204" pitchFamily="34" charset="0"/>
+                <a:cs typeface="Calibri" panose="020F0502020204030204" pitchFamily="34" charset="0"/>
+                <a:hlinkClick r:id="rId5"/>
+              </a:rPr>
+              <a:t>=0obvIOD0fKY</a:t>
+            </a:r>
+            <a:endParaRPr lang="en-US" sz="1100" dirty="0">
+              <a:latin typeface="Calibri" panose="020F0502020204030204" pitchFamily="34" charset="0"/>
+              <a:cs typeface="Calibri" panose="020F0502020204030204" pitchFamily="34" charset="0"/>
+            </a:endParaRPr>
+          </a:p>
+          <a:p>
+            <a:pPr marL="285750" indent="-285750">
+              <a:buFont typeface="Arial" panose="020B0604020202020204" pitchFamily="34" charset="0"/>
+              <a:buChar char="•"/>
+            </a:pPr>
+            <a:r>
+              <a:rPr lang="en-US" sz="1600" b="1" dirty="0">
+                <a:solidFill>
+                  <a:srgbClr val="FF0000"/>
+                </a:solidFill>
+                <a:latin typeface="Calibri" panose="020F0502020204030204" pitchFamily="34" charset="0"/>
+                <a:cs typeface="Calibri" panose="020F0502020204030204" pitchFamily="34" charset="0"/>
+              </a:rPr>
+              <a:t>$252</a:t>
+            </a:r>
+          </a:p>
+        </p:txBody>
+      </p:sp>
+    </p:spTree>
+    <p:extLst>
+      <p:ext uri="{BB962C8B-B14F-4D97-AF65-F5344CB8AC3E}">
+        <p14:creationId xmlns:p14="http://schemas.microsoft.com/office/powerpoint/2010/main" val="3538257692"/>
       </p:ext>
     </p:extLst>
   </p:cSld>

--- a/snow_plow_blower.pptx
+++ b/snow_plow_blower.pptx
@@ -4,13 +4,18 @@
   <p:sldMasterIdLst>
     <p:sldMasterId id="2147483648" r:id="rId1"/>
   </p:sldMasterIdLst>
+  <p:notesMasterIdLst>
+    <p:notesMasterId r:id="rId10"/>
+  </p:notesMasterIdLst>
   <p:sldIdLst>
     <p:sldId id="261" r:id="rId2"/>
     <p:sldId id="262" r:id="rId3"/>
     <p:sldId id="263" r:id="rId4"/>
     <p:sldId id="265" r:id="rId5"/>
-    <p:sldId id="264" r:id="rId6"/>
-    <p:sldId id="266" r:id="rId7"/>
+    <p:sldId id="267" r:id="rId6"/>
+    <p:sldId id="268" r:id="rId7"/>
+    <p:sldId id="264" r:id="rId8"/>
+    <p:sldId id="266" r:id="rId9"/>
   </p:sldIdLst>
   <p:sldSz cx="12192000" cy="6858000"/>
   <p:notesSz cx="6858000" cy="9144000"/>
@@ -117,6 +122,355 @@
 </p:presentation>
 </file>
 
+<file path=ppt/notesMasters/notesMaster1.xml><?xml version="1.0" encoding="utf-8"?>
+<p:notesMaster xmlns:a="http://schemas.openxmlformats.org/drawingml/2006/main" xmlns:r="http://schemas.openxmlformats.org/officeDocument/2006/relationships" xmlns:p="http://schemas.openxmlformats.org/presentationml/2006/main">
+  <p:cSld>
+    <p:bg>
+      <p:bgRef idx="1001">
+        <a:schemeClr val="bg1"/>
+      </p:bgRef>
+    </p:bg>
+    <p:spTree>
+      <p:nvGrpSpPr>
+        <p:cNvPr id="1" name=""/>
+        <p:cNvGrpSpPr/>
+        <p:nvPr/>
+      </p:nvGrpSpPr>
+      <p:grpSpPr>
+        <a:xfrm>
+          <a:off x="0" y="0"/>
+          <a:ext cx="0" cy="0"/>
+          <a:chOff x="0" y="0"/>
+          <a:chExt cx="0" cy="0"/>
+        </a:xfrm>
+      </p:grpSpPr>
+      <p:sp>
+        <p:nvSpPr>
+          <p:cNvPr id="2" name="Header Placeholder 1"/>
+          <p:cNvSpPr>
+            <a:spLocks noGrp="1"/>
+          </p:cNvSpPr>
+          <p:nvPr>
+            <p:ph type="hdr" sz="quarter"/>
+          </p:nvPr>
+        </p:nvSpPr>
+        <p:spPr>
+          <a:xfrm>
+            <a:off x="0" y="0"/>
+            <a:ext cx="2971800" cy="458788"/>
+          </a:xfrm>
+          <a:prstGeom prst="rect">
+            <a:avLst/>
+          </a:prstGeom>
+        </p:spPr>
+        <p:txBody>
+          <a:bodyPr vert="horz" lIns="91440" tIns="45720" rIns="91440" bIns="45720" rtlCol="0"/>
+          <a:lstStyle>
+            <a:lvl1pPr algn="l">
+              <a:defRPr sz="1200"/>
+            </a:lvl1pPr>
+          </a:lstStyle>
+          <a:p>
+            <a:endParaRPr lang="en-US"/>
+          </a:p>
+        </p:txBody>
+      </p:sp>
+      <p:sp>
+        <p:nvSpPr>
+          <p:cNvPr id="3" name="Date Placeholder 2"/>
+          <p:cNvSpPr>
+            <a:spLocks noGrp="1"/>
+          </p:cNvSpPr>
+          <p:nvPr>
+            <p:ph type="dt" idx="1"/>
+          </p:nvPr>
+        </p:nvSpPr>
+        <p:spPr>
+          <a:xfrm>
+            <a:off x="3884613" y="0"/>
+            <a:ext cx="2971800" cy="458788"/>
+          </a:xfrm>
+          <a:prstGeom prst="rect">
+            <a:avLst/>
+          </a:prstGeom>
+        </p:spPr>
+        <p:txBody>
+          <a:bodyPr vert="horz" lIns="91440" tIns="45720" rIns="91440" bIns="45720" rtlCol="0"/>
+          <a:lstStyle>
+            <a:lvl1pPr algn="r">
+              <a:defRPr sz="1200"/>
+            </a:lvl1pPr>
+          </a:lstStyle>
+          <a:p>
+            <a:fld id="{25BB0166-7DA8-4040-98E7-81186BCABFDE}" type="datetimeFigureOut">
+              <a:rPr lang="en-US" smtClean="0"/>
+              <a:t>1/29/26</a:t>
+            </a:fld>
+            <a:endParaRPr lang="en-US"/>
+          </a:p>
+        </p:txBody>
+      </p:sp>
+      <p:sp>
+        <p:nvSpPr>
+          <p:cNvPr id="4" name="Slide Image Placeholder 3"/>
+          <p:cNvSpPr>
+            <a:spLocks noGrp="1" noRot="1" noChangeAspect="1"/>
+          </p:cNvSpPr>
+          <p:nvPr>
+            <p:ph type="sldImg" idx="2"/>
+          </p:nvPr>
+        </p:nvSpPr>
+        <p:spPr>
+          <a:xfrm>
+            <a:off x="685800" y="1143000"/>
+            <a:ext cx="5486400" cy="3086100"/>
+          </a:xfrm>
+          <a:prstGeom prst="rect">
+            <a:avLst/>
+          </a:prstGeom>
+          <a:noFill/>
+          <a:ln w="12700">
+            <a:solidFill>
+              <a:prstClr val="black"/>
+            </a:solidFill>
+          </a:ln>
+        </p:spPr>
+        <p:txBody>
+          <a:bodyPr vert="horz" lIns="91440" tIns="45720" rIns="91440" bIns="45720" rtlCol="0" anchor="ctr"/>
+          <a:lstStyle/>
+          <a:p>
+            <a:endParaRPr lang="en-US"/>
+          </a:p>
+        </p:txBody>
+      </p:sp>
+      <p:sp>
+        <p:nvSpPr>
+          <p:cNvPr id="5" name="Notes Placeholder 4"/>
+          <p:cNvSpPr>
+            <a:spLocks noGrp="1"/>
+          </p:cNvSpPr>
+          <p:nvPr>
+            <p:ph type="body" sz="quarter" idx="3"/>
+          </p:nvPr>
+        </p:nvSpPr>
+        <p:spPr>
+          <a:xfrm>
+            <a:off x="685800" y="4400550"/>
+            <a:ext cx="5486400" cy="3600450"/>
+          </a:xfrm>
+          <a:prstGeom prst="rect">
+            <a:avLst/>
+          </a:prstGeom>
+        </p:spPr>
+        <p:txBody>
+          <a:bodyPr vert="horz" lIns="91440" tIns="45720" rIns="91440" bIns="45720" rtlCol="0"/>
+          <a:lstStyle/>
+          <a:p>
+            <a:pPr lvl="0"/>
+            <a:r>
+              <a:rPr lang="en-US"/>
+              <a:t>Click to edit Master text styles</a:t>
+            </a:r>
+          </a:p>
+          <a:p>
+            <a:pPr lvl="1"/>
+            <a:r>
+              <a:rPr lang="en-US"/>
+              <a:t>Second level</a:t>
+            </a:r>
+          </a:p>
+          <a:p>
+            <a:pPr lvl="2"/>
+            <a:r>
+              <a:rPr lang="en-US"/>
+              <a:t>Third level</a:t>
+            </a:r>
+          </a:p>
+          <a:p>
+            <a:pPr lvl="3"/>
+            <a:r>
+              <a:rPr lang="en-US"/>
+              <a:t>Fourth level</a:t>
+            </a:r>
+          </a:p>
+          <a:p>
+            <a:pPr lvl="4"/>
+            <a:r>
+              <a:rPr lang="en-US"/>
+              <a:t>Fifth level</a:t>
+            </a:r>
+          </a:p>
+        </p:txBody>
+      </p:sp>
+      <p:sp>
+        <p:nvSpPr>
+          <p:cNvPr id="6" name="Footer Placeholder 5"/>
+          <p:cNvSpPr>
+            <a:spLocks noGrp="1"/>
+          </p:cNvSpPr>
+          <p:nvPr>
+            <p:ph type="ftr" sz="quarter" idx="4"/>
+          </p:nvPr>
+        </p:nvSpPr>
+        <p:spPr>
+          <a:xfrm>
+            <a:off x="0" y="8685213"/>
+            <a:ext cx="2971800" cy="458787"/>
+          </a:xfrm>
+          <a:prstGeom prst="rect">
+            <a:avLst/>
+          </a:prstGeom>
+        </p:spPr>
+        <p:txBody>
+          <a:bodyPr vert="horz" lIns="91440" tIns="45720" rIns="91440" bIns="45720" rtlCol="0" anchor="b"/>
+          <a:lstStyle>
+            <a:lvl1pPr algn="l">
+              <a:defRPr sz="1200"/>
+            </a:lvl1pPr>
+          </a:lstStyle>
+          <a:p>
+            <a:endParaRPr lang="en-US"/>
+          </a:p>
+        </p:txBody>
+      </p:sp>
+      <p:sp>
+        <p:nvSpPr>
+          <p:cNvPr id="7" name="Slide Number Placeholder 6"/>
+          <p:cNvSpPr>
+            <a:spLocks noGrp="1"/>
+          </p:cNvSpPr>
+          <p:nvPr>
+            <p:ph type="sldNum" sz="quarter" idx="5"/>
+          </p:nvPr>
+        </p:nvSpPr>
+        <p:spPr>
+          <a:xfrm>
+            <a:off x="3884613" y="8685213"/>
+            <a:ext cx="2971800" cy="458787"/>
+          </a:xfrm>
+          <a:prstGeom prst="rect">
+            <a:avLst/>
+          </a:prstGeom>
+        </p:spPr>
+        <p:txBody>
+          <a:bodyPr vert="horz" lIns="91440" tIns="45720" rIns="91440" bIns="45720" rtlCol="0" anchor="b"/>
+          <a:lstStyle>
+            <a:lvl1pPr algn="r">
+              <a:defRPr sz="1200"/>
+            </a:lvl1pPr>
+          </a:lstStyle>
+          <a:p>
+            <a:fld id="{582EE96B-D67E-F041-AACE-799DE4D64898}" type="slidenum">
+              <a:rPr lang="en-US" smtClean="0"/>
+              <a:t>‹#›</a:t>
+            </a:fld>
+            <a:endParaRPr lang="en-US"/>
+          </a:p>
+        </p:txBody>
+      </p:sp>
+    </p:spTree>
+    <p:extLst>
+      <p:ext uri="{BB962C8B-B14F-4D97-AF65-F5344CB8AC3E}">
+        <p14:creationId xmlns:p14="http://schemas.microsoft.com/office/powerpoint/2010/main" val="3469032680"/>
+      </p:ext>
+    </p:extLst>
+  </p:cSld>
+  <p:clrMap bg1="lt1" tx1="dk1" bg2="lt2" tx2="dk2" accent1="accent1" accent2="accent2" accent3="accent3" accent4="accent4" accent5="accent5" accent6="accent6" hlink="hlink" folHlink="folHlink"/>
+  <p:notesStyle>
+    <a:lvl1pPr marL="0" algn="l" defTabSz="914400" rtl="0" eaLnBrk="1" latinLnBrk="0" hangingPunct="1">
+      <a:defRPr sz="1200" kern="1200">
+        <a:solidFill>
+          <a:schemeClr val="tx1"/>
+        </a:solidFill>
+        <a:latin typeface="+mn-lt"/>
+        <a:ea typeface="+mn-ea"/>
+        <a:cs typeface="+mn-cs"/>
+      </a:defRPr>
+    </a:lvl1pPr>
+    <a:lvl2pPr marL="457200" algn="l" defTabSz="914400" rtl="0" eaLnBrk="1" latinLnBrk="0" hangingPunct="1">
+      <a:defRPr sz="1200" kern="1200">
+        <a:solidFill>
+          <a:schemeClr val="tx1"/>
+        </a:solidFill>
+        <a:latin typeface="+mn-lt"/>
+        <a:ea typeface="+mn-ea"/>
+        <a:cs typeface="+mn-cs"/>
+      </a:defRPr>
+    </a:lvl2pPr>
+    <a:lvl3pPr marL="914400" algn="l" defTabSz="914400" rtl="0" eaLnBrk="1" latinLnBrk="0" hangingPunct="1">
+      <a:defRPr sz="1200" kern="1200">
+        <a:solidFill>
+          <a:schemeClr val="tx1"/>
+        </a:solidFill>
+        <a:latin typeface="+mn-lt"/>
+        <a:ea typeface="+mn-ea"/>
+        <a:cs typeface="+mn-cs"/>
+      </a:defRPr>
+    </a:lvl3pPr>
+    <a:lvl4pPr marL="1371600" algn="l" defTabSz="914400" rtl="0" eaLnBrk="1" latinLnBrk="0" hangingPunct="1">
+      <a:defRPr sz="1200" kern="1200">
+        <a:solidFill>
+          <a:schemeClr val="tx1"/>
+        </a:solidFill>
+        <a:latin typeface="+mn-lt"/>
+        <a:ea typeface="+mn-ea"/>
+        <a:cs typeface="+mn-cs"/>
+      </a:defRPr>
+    </a:lvl4pPr>
+    <a:lvl5pPr marL="1828800" algn="l" defTabSz="914400" rtl="0" eaLnBrk="1" latinLnBrk="0" hangingPunct="1">
+      <a:defRPr sz="1200" kern="1200">
+        <a:solidFill>
+          <a:schemeClr val="tx1"/>
+        </a:solidFill>
+        <a:latin typeface="+mn-lt"/>
+        <a:ea typeface="+mn-ea"/>
+        <a:cs typeface="+mn-cs"/>
+      </a:defRPr>
+    </a:lvl5pPr>
+    <a:lvl6pPr marL="2286000" algn="l" defTabSz="914400" rtl="0" eaLnBrk="1" latinLnBrk="0" hangingPunct="1">
+      <a:defRPr sz="1200" kern="1200">
+        <a:solidFill>
+          <a:schemeClr val="tx1"/>
+        </a:solidFill>
+        <a:latin typeface="+mn-lt"/>
+        <a:ea typeface="+mn-ea"/>
+        <a:cs typeface="+mn-cs"/>
+      </a:defRPr>
+    </a:lvl6pPr>
+    <a:lvl7pPr marL="2743200" algn="l" defTabSz="914400" rtl="0" eaLnBrk="1" latinLnBrk="0" hangingPunct="1">
+      <a:defRPr sz="1200" kern="1200">
+        <a:solidFill>
+          <a:schemeClr val="tx1"/>
+        </a:solidFill>
+        <a:latin typeface="+mn-lt"/>
+        <a:ea typeface="+mn-ea"/>
+        <a:cs typeface="+mn-cs"/>
+      </a:defRPr>
+    </a:lvl7pPr>
+    <a:lvl8pPr marL="3200400" algn="l" defTabSz="914400" rtl="0" eaLnBrk="1" latinLnBrk="0" hangingPunct="1">
+      <a:defRPr sz="1200" kern="1200">
+        <a:solidFill>
+          <a:schemeClr val="tx1"/>
+        </a:solidFill>
+        <a:latin typeface="+mn-lt"/>
+        <a:ea typeface="+mn-ea"/>
+        <a:cs typeface="+mn-cs"/>
+      </a:defRPr>
+    </a:lvl8pPr>
+    <a:lvl9pPr marL="3657600" algn="l" defTabSz="914400" rtl="0" eaLnBrk="1" latinLnBrk="0" hangingPunct="1">
+      <a:defRPr sz="1200" kern="1200">
+        <a:solidFill>
+          <a:schemeClr val="tx1"/>
+        </a:solidFill>
+        <a:latin typeface="+mn-lt"/>
+        <a:ea typeface="+mn-ea"/>
+        <a:cs typeface="+mn-cs"/>
+      </a:defRPr>
+    </a:lvl9pPr>
+  </p:notesStyle>
+</p:notesMaster>
+</file>
+
 <file path=ppt/slideLayouts/slideLayout1.xml><?xml version="1.0" encoding="utf-8"?>
 <p:sldLayout xmlns:a="http://schemas.openxmlformats.org/drawingml/2006/main" xmlns:r="http://schemas.openxmlformats.org/officeDocument/2006/relationships" xmlns:p="http://schemas.openxmlformats.org/presentationml/2006/main" type="title" preserve="1">
   <p:cSld name="Title Slide">
@@ -263,7 +617,7 @@
           <a:lstStyle/>
           <a:p>
             <a:fld id="{5F491023-0B0A-7041-9F06-D25A50EF063B}" type="datetimeFigureOut">
-              <a:t>1/11/26</a:t>
+              <a:t>1/29/26</a:t>
             </a:fld>
             <a:endParaRPr lang="en-US"/>
           </a:p>
@@ -459,7 +813,7 @@
           <a:lstStyle/>
           <a:p>
             <a:fld id="{5F491023-0B0A-7041-9F06-D25A50EF063B}" type="datetimeFigureOut">
-              <a:t>1/11/26</a:t>
+              <a:t>1/29/26</a:t>
             </a:fld>
             <a:endParaRPr lang="en-US"/>
           </a:p>
@@ -665,7 +1019,7 @@
           <a:lstStyle/>
           <a:p>
             <a:fld id="{5F491023-0B0A-7041-9F06-D25A50EF063B}" type="datetimeFigureOut">
-              <a:t>1/11/26</a:t>
+              <a:t>1/29/26</a:t>
             </a:fld>
             <a:endParaRPr lang="en-US"/>
           </a:p>
@@ -861,7 +1215,7 @@
           <a:lstStyle/>
           <a:p>
             <a:fld id="{5F491023-0B0A-7041-9F06-D25A50EF063B}" type="datetimeFigureOut">
-              <a:t>1/11/26</a:t>
+              <a:t>1/29/26</a:t>
             </a:fld>
             <a:endParaRPr lang="en-US"/>
           </a:p>
@@ -1134,7 +1488,7 @@
           <a:lstStyle/>
           <a:p>
             <a:fld id="{5F491023-0B0A-7041-9F06-D25A50EF063B}" type="datetimeFigureOut">
-              <a:t>1/11/26</a:t>
+              <a:t>1/29/26</a:t>
             </a:fld>
             <a:endParaRPr lang="en-US"/>
           </a:p>
@@ -1397,7 +1751,7 @@
           <a:lstStyle/>
           <a:p>
             <a:fld id="{5F491023-0B0A-7041-9F06-D25A50EF063B}" type="datetimeFigureOut">
-              <a:t>1/11/26</a:t>
+              <a:t>1/29/26</a:t>
             </a:fld>
             <a:endParaRPr lang="en-US"/>
           </a:p>
@@ -1807,7 +2161,7 @@
           <a:lstStyle/>
           <a:p>
             <a:fld id="{5F491023-0B0A-7041-9F06-D25A50EF063B}" type="datetimeFigureOut">
-              <a:t>1/11/26</a:t>
+              <a:t>1/29/26</a:t>
             </a:fld>
             <a:endParaRPr lang="en-US"/>
           </a:p>
@@ -1946,7 +2300,7 @@
           <a:lstStyle/>
           <a:p>
             <a:fld id="{5F491023-0B0A-7041-9F06-D25A50EF063B}" type="datetimeFigureOut">
-              <a:t>1/11/26</a:t>
+              <a:t>1/29/26</a:t>
             </a:fld>
             <a:endParaRPr lang="en-US"/>
           </a:p>
@@ -2057,7 +2411,7 @@
           <a:lstStyle/>
           <a:p>
             <a:fld id="{5F491023-0B0A-7041-9F06-D25A50EF063B}" type="datetimeFigureOut">
-              <a:t>1/11/26</a:t>
+              <a:t>1/29/26</a:t>
             </a:fld>
             <a:endParaRPr lang="en-US"/>
           </a:p>
@@ -2366,7 +2720,7 @@
           <a:lstStyle/>
           <a:p>
             <a:fld id="{5F491023-0B0A-7041-9F06-D25A50EF063B}" type="datetimeFigureOut">
-              <a:t>1/11/26</a:t>
+              <a:t>1/29/26</a:t>
             </a:fld>
             <a:endParaRPr lang="en-US"/>
           </a:p>
@@ -2652,7 +3006,7 @@
           <a:lstStyle/>
           <a:p>
             <a:fld id="{5F491023-0B0A-7041-9F06-D25A50EF063B}" type="datetimeFigureOut">
-              <a:t>1/11/26</a:t>
+              <a:t>1/29/26</a:t>
             </a:fld>
             <a:endParaRPr lang="en-US"/>
           </a:p>
@@ -2891,7 +3245,7 @@
           </a:lstStyle>
           <a:p>
             <a:fld id="{5F491023-0B0A-7041-9F06-D25A50EF063B}" type="datetimeFigureOut">
-              <a:t>1/11/26</a:t>
+              <a:t>1/29/26</a:t>
             </a:fld>
             <a:endParaRPr lang="en-US"/>
           </a:p>
@@ -6185,6 +6539,1111 @@
         </p:nvSpPr>
         <p:spPr>
           <a:xfrm>
+            <a:off x="160472" y="181050"/>
+            <a:ext cx="4850999" cy="6217087"/>
+          </a:xfrm>
+          <a:prstGeom prst="rect">
+            <a:avLst/>
+          </a:prstGeom>
+          <a:noFill/>
+        </p:spPr>
+        <p:txBody>
+          <a:bodyPr wrap="square" rtlCol="0">
+            <a:spAutoFit/>
+          </a:bodyPr>
+          <a:lstStyle/>
+          <a:p>
+            <a:r>
+              <a:rPr lang="en-US" sz="1400" b="1" dirty="0">
+                <a:solidFill>
+                  <a:srgbClr val="FF0000"/>
+                </a:solidFill>
+                <a:latin typeface="Calibri" panose="020F0502020204030204" pitchFamily="34" charset="0"/>
+                <a:cs typeface="Calibri" panose="020F0502020204030204" pitchFamily="34" charset="0"/>
+              </a:rPr>
+              <a:t>Solutions to prevent the winch and cable </a:t>
+            </a:r>
+          </a:p>
+          <a:p>
+            <a:r>
+              <a:rPr lang="en-US" sz="1400" b="1" dirty="0">
+                <a:solidFill>
+                  <a:srgbClr val="FF0000"/>
+                </a:solidFill>
+                <a:latin typeface="Calibri" panose="020F0502020204030204" pitchFamily="34" charset="0"/>
+                <a:cs typeface="Calibri" panose="020F0502020204030204" pitchFamily="34" charset="0"/>
+              </a:rPr>
+              <a:t>from breaking when plowing</a:t>
+            </a:r>
+          </a:p>
+          <a:p>
+            <a:endParaRPr lang="en-US" sz="1400" b="1" dirty="0">
+              <a:solidFill>
+                <a:srgbClr val="FF0000"/>
+              </a:solidFill>
+              <a:latin typeface="Calibri" panose="020F0502020204030204" pitchFamily="34" charset="0"/>
+              <a:cs typeface="Calibri" panose="020F0502020204030204" pitchFamily="34" charset="0"/>
+            </a:endParaRPr>
+          </a:p>
+          <a:p>
+            <a:r>
+              <a:rPr lang="en-US" sz="1400" b="1" dirty="0">
+                <a:solidFill>
+                  <a:srgbClr val="FF0000"/>
+                </a:solidFill>
+                <a:latin typeface="Calibri" panose="020F0502020204030204" pitchFamily="34" charset="0"/>
+                <a:cs typeface="Calibri" panose="020F0502020204030204" pitchFamily="34" charset="0"/>
+              </a:rPr>
+              <a:t>Better angle, brackets, pulleys</a:t>
+            </a:r>
+          </a:p>
+          <a:p>
+            <a:endParaRPr lang="en-US" sz="1400" dirty="0">
+              <a:latin typeface="Calibri" panose="020F0502020204030204" pitchFamily="34" charset="0"/>
+              <a:cs typeface="Calibri" panose="020F0502020204030204" pitchFamily="34" charset="0"/>
+            </a:endParaRPr>
+          </a:p>
+          <a:p>
+            <a:r>
+              <a:rPr lang="en-US" sz="1400" dirty="0">
+                <a:latin typeface="Calibri" panose="020F0502020204030204" pitchFamily="34" charset="0"/>
+                <a:cs typeface="Calibri" panose="020F0502020204030204" pitchFamily="34" charset="0"/>
+              </a:rPr>
+              <a:t>Solution 1.1 - mount the winch higher</a:t>
+            </a:r>
+          </a:p>
+          <a:p>
+            <a:r>
+              <a:rPr lang="en-US" sz="1000" dirty="0">
+                <a:latin typeface="Calibri" panose="020F0502020204030204" pitchFamily="34" charset="0"/>
+                <a:cs typeface="Calibri" panose="020F0502020204030204" pitchFamily="34" charset="0"/>
+              </a:rPr>
+              <a:t> - </a:t>
+            </a:r>
+            <a:r>
+              <a:rPr lang="en-US" sz="1000" u="sng" dirty="0">
+                <a:latin typeface="Calibri" panose="020F0502020204030204" pitchFamily="34" charset="0"/>
+                <a:cs typeface="Calibri" panose="020F0502020204030204" pitchFamily="34" charset="0"/>
+                <a:hlinkClick r:id="rId2"/>
+              </a:rPr>
+              <a:t>https://www.youtube.com/watch?v=walB-pyDaYE</a:t>
+            </a:r>
+            <a:endParaRPr lang="en-US" sz="1000" dirty="0">
+              <a:latin typeface="Calibri" panose="020F0502020204030204" pitchFamily="34" charset="0"/>
+              <a:cs typeface="Calibri" panose="020F0502020204030204" pitchFamily="34" charset="0"/>
+            </a:endParaRPr>
+          </a:p>
+          <a:p>
+            <a:r>
+              <a:rPr lang="en-US" sz="1400" dirty="0">
+                <a:latin typeface="Calibri" panose="020F0502020204030204" pitchFamily="34" charset="0"/>
+                <a:cs typeface="Calibri" panose="020F0502020204030204" pitchFamily="34" charset="0"/>
+              </a:rPr>
+              <a:t>or change the hook point:</a:t>
+            </a:r>
+          </a:p>
+          <a:p>
+            <a:r>
+              <a:rPr lang="en-US" sz="1000" dirty="0">
+                <a:latin typeface="Calibri" panose="020F0502020204030204" pitchFamily="34" charset="0"/>
+                <a:cs typeface="Calibri" panose="020F0502020204030204" pitchFamily="34" charset="0"/>
+              </a:rPr>
+              <a:t> - </a:t>
+            </a:r>
+            <a:r>
+              <a:rPr lang="en-US" sz="1000" u="sng" dirty="0">
+                <a:latin typeface="Calibri" panose="020F0502020204030204" pitchFamily="34" charset="0"/>
+                <a:cs typeface="Calibri" panose="020F0502020204030204" pitchFamily="34" charset="0"/>
+                <a:hlinkClick r:id="rId3"/>
+              </a:rPr>
+              <a:t>https://www.youtube.com/watch?v=QB3OdEiAtSg</a:t>
+            </a:r>
+            <a:r>
+              <a:rPr lang="en-US" sz="1000" dirty="0">
+                <a:latin typeface="Calibri" panose="020F0502020204030204" pitchFamily="34" charset="0"/>
+                <a:cs typeface="Calibri" panose="020F0502020204030204" pitchFamily="34" charset="0"/>
+              </a:rPr>
+              <a:t>  </a:t>
+            </a:r>
+          </a:p>
+          <a:p>
+            <a:endParaRPr lang="en-US" sz="1400" dirty="0">
+              <a:latin typeface="Calibri" panose="020F0502020204030204" pitchFamily="34" charset="0"/>
+              <a:cs typeface="Calibri" panose="020F0502020204030204" pitchFamily="34" charset="0"/>
+            </a:endParaRPr>
+          </a:p>
+          <a:p>
+            <a:r>
+              <a:rPr lang="en-US" sz="1400" dirty="0">
+                <a:latin typeface="Calibri" panose="020F0502020204030204" pitchFamily="34" charset="0"/>
+                <a:cs typeface="Calibri" panose="020F0502020204030204" pitchFamily="34" charset="0"/>
+              </a:rPr>
+              <a:t>Solution 1.2 - use brackets with blocks and pulleys </a:t>
+            </a:r>
+          </a:p>
+          <a:p>
+            <a:r>
+              <a:rPr lang="en-US" sz="1000" dirty="0">
+                <a:latin typeface="Calibri" panose="020F0502020204030204" pitchFamily="34" charset="0"/>
+                <a:cs typeface="Calibri" panose="020F0502020204030204" pitchFamily="34" charset="0"/>
+              </a:rPr>
+              <a:t> - </a:t>
+            </a:r>
+            <a:r>
+              <a:rPr lang="en-US" sz="1000" u="sng" dirty="0">
+                <a:latin typeface="Calibri" panose="020F0502020204030204" pitchFamily="34" charset="0"/>
+                <a:cs typeface="Calibri" panose="020F0502020204030204" pitchFamily="34" charset="0"/>
+                <a:hlinkClick r:id="rId4"/>
+              </a:rPr>
+              <a:t>https://www.youtube.com/watch?v=xptbCmz50AE</a:t>
+            </a:r>
+            <a:r>
+              <a:rPr lang="en-US" sz="1000" dirty="0">
+                <a:latin typeface="Calibri" panose="020F0502020204030204" pitchFamily="34" charset="0"/>
+                <a:cs typeface="Calibri" panose="020F0502020204030204" pitchFamily="34" charset="0"/>
+              </a:rPr>
+              <a:t>   </a:t>
+            </a:r>
+          </a:p>
+          <a:p>
+            <a:r>
+              <a:rPr lang="en-US" sz="1000" dirty="0">
+                <a:latin typeface="Calibri" panose="020F0502020204030204" pitchFamily="34" charset="0"/>
+                <a:cs typeface="Calibri" panose="020F0502020204030204" pitchFamily="34" charset="0"/>
+              </a:rPr>
+              <a:t> - </a:t>
+            </a:r>
+            <a:r>
+              <a:rPr lang="en-US" sz="1000" u="sng" dirty="0">
+                <a:latin typeface="Calibri" panose="020F0502020204030204" pitchFamily="34" charset="0"/>
+                <a:cs typeface="Calibri" panose="020F0502020204030204" pitchFamily="34" charset="0"/>
+                <a:hlinkClick r:id="rId5"/>
+              </a:rPr>
+              <a:t>https://www.youtube.com/watch?v=lIwT-UqNNQw</a:t>
+            </a:r>
+            <a:r>
+              <a:rPr lang="en-US" sz="1000" dirty="0">
+                <a:latin typeface="Calibri" panose="020F0502020204030204" pitchFamily="34" charset="0"/>
+                <a:cs typeface="Calibri" panose="020F0502020204030204" pitchFamily="34" charset="0"/>
+              </a:rPr>
+              <a:t>  </a:t>
+            </a:r>
+          </a:p>
+          <a:p>
+            <a:endParaRPr lang="en-US" sz="1400" dirty="0">
+              <a:latin typeface="Calibri" panose="020F0502020204030204" pitchFamily="34" charset="0"/>
+              <a:cs typeface="Calibri" panose="020F0502020204030204" pitchFamily="34" charset="0"/>
+            </a:endParaRPr>
+          </a:p>
+          <a:p>
+            <a:r>
+              <a:rPr lang="en-US" sz="1400" b="1" dirty="0">
+                <a:solidFill>
+                  <a:srgbClr val="FF0000"/>
+                </a:solidFill>
+                <a:latin typeface="Calibri" panose="020F0502020204030204" pitchFamily="34" charset="0"/>
+                <a:cs typeface="Calibri" panose="020F0502020204030204" pitchFamily="34" charset="0"/>
+              </a:rPr>
+              <a:t>Prevent cable tangling</a:t>
+            </a:r>
+          </a:p>
+          <a:p>
+            <a:endParaRPr lang="en-US" sz="1400" dirty="0">
+              <a:latin typeface="Calibri" panose="020F0502020204030204" pitchFamily="34" charset="0"/>
+              <a:cs typeface="Calibri" panose="020F0502020204030204" pitchFamily="34" charset="0"/>
+            </a:endParaRPr>
+          </a:p>
+          <a:p>
+            <a:r>
+              <a:rPr lang="en-US" sz="1400" dirty="0">
+                <a:latin typeface="Calibri" panose="020F0502020204030204" pitchFamily="34" charset="0"/>
+                <a:cs typeface="Calibri" panose="020F0502020204030204" pitchFamily="34" charset="0"/>
+              </a:rPr>
+              <a:t>Solution 2.1 - use a spring to keep tension</a:t>
+            </a:r>
+          </a:p>
+          <a:p>
+            <a:r>
+              <a:rPr lang="en-US" sz="1400" dirty="0">
+                <a:latin typeface="Calibri" panose="020F0502020204030204" pitchFamily="34" charset="0"/>
+                <a:cs typeface="Calibri" panose="020F0502020204030204" pitchFamily="34" charset="0"/>
+              </a:rPr>
+              <a:t>Example - using leaf spring</a:t>
+            </a:r>
+          </a:p>
+          <a:p>
+            <a:r>
+              <a:rPr lang="en-US" sz="1000" dirty="0">
+                <a:latin typeface="Calibri" panose="020F0502020204030204" pitchFamily="34" charset="0"/>
+                <a:cs typeface="Calibri" panose="020F0502020204030204" pitchFamily="34" charset="0"/>
+              </a:rPr>
+              <a:t> - </a:t>
+            </a:r>
+            <a:r>
+              <a:rPr lang="en-US" sz="1000" u="sng" dirty="0">
+                <a:latin typeface="Calibri" panose="020F0502020204030204" pitchFamily="34" charset="0"/>
+                <a:cs typeface="Calibri" panose="020F0502020204030204" pitchFamily="34" charset="0"/>
+                <a:hlinkClick r:id="rId6"/>
+              </a:rPr>
+              <a:t>https://www.youtube.com/watch?v=MSzYsjSwWq0</a:t>
+            </a:r>
+            <a:r>
+              <a:rPr lang="en-US" sz="1000" dirty="0">
+                <a:latin typeface="Calibri" panose="020F0502020204030204" pitchFamily="34" charset="0"/>
+                <a:cs typeface="Calibri" panose="020F0502020204030204" pitchFamily="34" charset="0"/>
+              </a:rPr>
+              <a:t> </a:t>
+            </a:r>
+          </a:p>
+          <a:p>
+            <a:r>
+              <a:rPr lang="en-US" sz="1400" dirty="0">
+                <a:latin typeface="Calibri" panose="020F0502020204030204" pitchFamily="34" charset="0"/>
+                <a:cs typeface="Calibri" panose="020F0502020204030204" pitchFamily="34" charset="0"/>
+              </a:rPr>
+              <a:t>Example - commercial tensioner</a:t>
+            </a:r>
+          </a:p>
+          <a:p>
+            <a:r>
+              <a:rPr lang="en-US" sz="1000" dirty="0">
+                <a:latin typeface="Calibri" panose="020F0502020204030204" pitchFamily="34" charset="0"/>
+                <a:cs typeface="Calibri" panose="020F0502020204030204" pitchFamily="34" charset="0"/>
+              </a:rPr>
+              <a:t> - </a:t>
+            </a:r>
+            <a:r>
+              <a:rPr lang="en-US" sz="1000" u="sng" dirty="0">
+                <a:latin typeface="Calibri" panose="020F0502020204030204" pitchFamily="34" charset="0"/>
+                <a:cs typeface="Calibri" panose="020F0502020204030204" pitchFamily="34" charset="0"/>
+                <a:hlinkClick r:id="rId7"/>
+              </a:rPr>
+              <a:t>https://www.youtube.com/watch?v=JiPT2l71U3U</a:t>
+            </a:r>
+            <a:r>
+              <a:rPr lang="en-US" sz="1000" dirty="0">
+                <a:latin typeface="Calibri" panose="020F0502020204030204" pitchFamily="34" charset="0"/>
+                <a:cs typeface="Calibri" panose="020F0502020204030204" pitchFamily="34" charset="0"/>
+              </a:rPr>
+              <a:t> </a:t>
+            </a:r>
+          </a:p>
+          <a:p>
+            <a:r>
+              <a:rPr lang="en-US" sz="1000" dirty="0">
+                <a:latin typeface="Calibri" panose="020F0502020204030204" pitchFamily="34" charset="0"/>
+                <a:cs typeface="Calibri" panose="020F0502020204030204" pitchFamily="34" charset="0"/>
+              </a:rPr>
+              <a:t> - </a:t>
+            </a:r>
+            <a:r>
+              <a:rPr lang="en-US" sz="1000" u="sng" dirty="0">
+                <a:latin typeface="Calibri" panose="020F0502020204030204" pitchFamily="34" charset="0"/>
+                <a:cs typeface="Calibri" panose="020F0502020204030204" pitchFamily="34" charset="0"/>
+                <a:hlinkClick r:id="rId8"/>
+              </a:rPr>
+              <a:t>https://zips.com/products/winches-cables/winch-parts/winch-tensioners</a:t>
+            </a:r>
+            <a:r>
+              <a:rPr lang="en-US" sz="1000" dirty="0">
+                <a:latin typeface="Calibri" panose="020F0502020204030204" pitchFamily="34" charset="0"/>
+                <a:cs typeface="Calibri" panose="020F0502020204030204" pitchFamily="34" charset="0"/>
+              </a:rPr>
+              <a:t> </a:t>
+            </a:r>
+          </a:p>
+          <a:p>
+            <a:endParaRPr lang="en-US" sz="1400" dirty="0">
+              <a:latin typeface="Calibri" panose="020F0502020204030204" pitchFamily="34" charset="0"/>
+              <a:cs typeface="Calibri" panose="020F0502020204030204" pitchFamily="34" charset="0"/>
+            </a:endParaRPr>
+          </a:p>
+          <a:p>
+            <a:endParaRPr lang="en-US" sz="1400" dirty="0">
+              <a:latin typeface="Calibri" panose="020F0502020204030204" pitchFamily="34" charset="0"/>
+              <a:cs typeface="Calibri" panose="020F0502020204030204" pitchFamily="34" charset="0"/>
+            </a:endParaRPr>
+          </a:p>
+          <a:p>
+            <a:br>
+              <a:rPr lang="en-US" sz="1400" dirty="0">
+                <a:latin typeface="Calibri" panose="020F0502020204030204" pitchFamily="34" charset="0"/>
+                <a:cs typeface="Calibri" panose="020F0502020204030204" pitchFamily="34" charset="0"/>
+              </a:rPr>
+            </a:br>
+            <a:r>
+              <a:rPr lang="en-US" sz="1400" dirty="0">
+                <a:latin typeface="Calibri" panose="020F0502020204030204" pitchFamily="34" charset="0"/>
+                <a:cs typeface="Calibri" panose="020F0502020204030204" pitchFamily="34" charset="0"/>
+              </a:rPr>
+              <a:t>Solution 2.2 - use a synthetic rope or flat tow strap instead of the metal cable. </a:t>
+            </a:r>
+          </a:p>
+          <a:p>
+            <a:r>
+              <a:rPr lang="en-US" sz="1400" dirty="0">
+                <a:latin typeface="Calibri" panose="020F0502020204030204" pitchFamily="34" charset="0"/>
+                <a:cs typeface="Calibri" panose="020F0502020204030204" pitchFamily="34" charset="0"/>
+              </a:rPr>
+              <a:t>Use a "roller fairlead" for synthetic line, or use "hawse fairlead" for flat strap to avoid tangling</a:t>
+            </a:r>
+          </a:p>
+          <a:p>
+            <a:r>
+              <a:rPr lang="en-US" sz="1000" dirty="0">
+                <a:latin typeface="Calibri" panose="020F0502020204030204" pitchFamily="34" charset="0"/>
+                <a:cs typeface="Calibri" panose="020F0502020204030204" pitchFamily="34" charset="0"/>
+              </a:rPr>
+              <a:t> - </a:t>
+            </a:r>
+            <a:r>
+              <a:rPr lang="en-US" sz="1000" u="sng" dirty="0">
+                <a:latin typeface="Calibri" panose="020F0502020204030204" pitchFamily="34" charset="0"/>
+                <a:cs typeface="Calibri" panose="020F0502020204030204" pitchFamily="34" charset="0"/>
+                <a:hlinkClick r:id="rId9"/>
+              </a:rPr>
+              <a:t>https://www.youtube.com/watch?v=b4dRQ-H7ffM</a:t>
+            </a:r>
+            <a:r>
+              <a:rPr lang="en-US" sz="1000" dirty="0">
+                <a:latin typeface="Calibri" panose="020F0502020204030204" pitchFamily="34" charset="0"/>
+                <a:cs typeface="Calibri" panose="020F0502020204030204" pitchFamily="34" charset="0"/>
+              </a:rPr>
+              <a:t> </a:t>
+            </a:r>
+          </a:p>
+          <a:p>
+            <a:r>
+              <a:rPr lang="en-US" sz="1000" dirty="0">
+                <a:latin typeface="Calibri" panose="020F0502020204030204" pitchFamily="34" charset="0"/>
+                <a:cs typeface="Calibri" panose="020F0502020204030204" pitchFamily="34" charset="0"/>
+              </a:rPr>
+              <a:t> - </a:t>
+            </a:r>
+            <a:r>
+              <a:rPr lang="en-US" sz="1000" u="sng" dirty="0">
+                <a:latin typeface="Calibri" panose="020F0502020204030204" pitchFamily="34" charset="0"/>
+                <a:cs typeface="Calibri" panose="020F0502020204030204" pitchFamily="34" charset="0"/>
+                <a:hlinkClick r:id="rId10"/>
+              </a:rPr>
+              <a:t>https://www.youtube.com/watch?v=oim648rsuI8</a:t>
+            </a:r>
+            <a:r>
+              <a:rPr lang="en-US" sz="1000" dirty="0">
+                <a:latin typeface="Calibri" panose="020F0502020204030204" pitchFamily="34" charset="0"/>
+                <a:cs typeface="Calibri" panose="020F0502020204030204" pitchFamily="34" charset="0"/>
+              </a:rPr>
+              <a:t>  </a:t>
+            </a:r>
+          </a:p>
+        </p:txBody>
+      </p:sp>
+      <p:pic>
+        <p:nvPicPr>
+          <p:cNvPr id="3" name="Google Shape;60;p14">
+            <a:extLst>
+              <a:ext uri="{FF2B5EF4-FFF2-40B4-BE49-F238E27FC236}">
+                <a16:creationId xmlns:a16="http://schemas.microsoft.com/office/drawing/2014/main" id="{2F578B0C-8343-3977-3901-9036C5560E60}"/>
+              </a:ext>
+            </a:extLst>
+          </p:cNvPr>
+          <p:cNvPicPr preferRelativeResize="0"/>
+          <p:nvPr/>
+        </p:nvPicPr>
+        <p:blipFill>
+          <a:blip r:embed="rId11" cstate="email">
+            <a:alphaModFix/>
+            <a:extLst>
+              <a:ext uri="{28A0092B-C50C-407E-A947-70E740481C1C}">
+                <a14:useLocalDpi xmlns:a14="http://schemas.microsoft.com/office/drawing/2010/main"/>
+              </a:ext>
+            </a:extLst>
+          </a:blip>
+          <a:stretch>
+            <a:fillRect/>
+          </a:stretch>
+        </p:blipFill>
+        <p:spPr>
+          <a:xfrm>
+            <a:off x="3766869" y="181050"/>
+            <a:ext cx="2182119" cy="1767516"/>
+          </a:xfrm>
+          <a:prstGeom prst="rect">
+            <a:avLst/>
+          </a:prstGeom>
+          <a:noFill/>
+          <a:ln w="9525" cap="flat" cmpd="sng">
+            <a:solidFill>
+              <a:srgbClr val="FF0000"/>
+            </a:solidFill>
+            <a:prstDash val="solid"/>
+            <a:round/>
+            <a:headEnd type="none" w="sm" len="sm"/>
+            <a:tailEnd type="none" w="sm" len="sm"/>
+          </a:ln>
+        </p:spPr>
+      </p:pic>
+      <p:pic>
+        <p:nvPicPr>
+          <p:cNvPr id="4" name="Google Shape;64;p14">
+            <a:extLst>
+              <a:ext uri="{FF2B5EF4-FFF2-40B4-BE49-F238E27FC236}">
+                <a16:creationId xmlns:a16="http://schemas.microsoft.com/office/drawing/2014/main" id="{ED03CE0E-4C31-C2FE-76EE-11BA0D1058EF}"/>
+              </a:ext>
+            </a:extLst>
+          </p:cNvPr>
+          <p:cNvPicPr preferRelativeResize="0"/>
+          <p:nvPr/>
+        </p:nvPicPr>
+        <p:blipFill>
+          <a:blip r:embed="rId12" cstate="email">
+            <a:alphaModFix/>
+            <a:extLst>
+              <a:ext uri="{28A0092B-C50C-407E-A947-70E740481C1C}">
+                <a14:useLocalDpi xmlns:a14="http://schemas.microsoft.com/office/drawing/2010/main"/>
+              </a:ext>
+            </a:extLst>
+          </a:blip>
+          <a:stretch>
+            <a:fillRect/>
+          </a:stretch>
+        </p:blipFill>
+        <p:spPr>
+          <a:xfrm>
+            <a:off x="6016389" y="181052"/>
+            <a:ext cx="2601479" cy="1499813"/>
+          </a:xfrm>
+          <a:prstGeom prst="rect">
+            <a:avLst/>
+          </a:prstGeom>
+          <a:noFill/>
+          <a:ln w="9525" cap="flat" cmpd="sng">
+            <a:solidFill>
+              <a:srgbClr val="FF0000"/>
+            </a:solidFill>
+            <a:prstDash val="solid"/>
+            <a:round/>
+            <a:headEnd type="none" w="sm" len="sm"/>
+            <a:tailEnd type="none" w="sm" len="sm"/>
+          </a:ln>
+        </p:spPr>
+      </p:pic>
+      <p:pic>
+        <p:nvPicPr>
+          <p:cNvPr id="6" name="Google Shape;62;p14">
+            <a:extLst>
+              <a:ext uri="{FF2B5EF4-FFF2-40B4-BE49-F238E27FC236}">
+                <a16:creationId xmlns:a16="http://schemas.microsoft.com/office/drawing/2014/main" id="{619FD907-D758-2E58-557F-6B480801A577}"/>
+              </a:ext>
+            </a:extLst>
+          </p:cNvPr>
+          <p:cNvPicPr preferRelativeResize="0"/>
+          <p:nvPr/>
+        </p:nvPicPr>
+        <p:blipFill>
+          <a:blip r:embed="rId13" cstate="email">
+            <a:alphaModFix/>
+            <a:extLst>
+              <a:ext uri="{28A0092B-C50C-407E-A947-70E740481C1C}">
+                <a14:useLocalDpi xmlns:a14="http://schemas.microsoft.com/office/drawing/2010/main"/>
+              </a:ext>
+            </a:extLst>
+          </a:blip>
+          <a:stretch>
+            <a:fillRect/>
+          </a:stretch>
+        </p:blipFill>
+        <p:spPr>
+          <a:xfrm>
+            <a:off x="6243014" y="1863147"/>
+            <a:ext cx="2440444" cy="1269029"/>
+          </a:xfrm>
+          <a:prstGeom prst="rect">
+            <a:avLst/>
+          </a:prstGeom>
+          <a:noFill/>
+          <a:ln w="9525" cap="flat" cmpd="sng">
+            <a:solidFill>
+              <a:srgbClr val="FF0000"/>
+            </a:solidFill>
+            <a:prstDash val="solid"/>
+            <a:round/>
+            <a:headEnd type="none" w="sm" len="sm"/>
+            <a:tailEnd type="none" w="sm" len="sm"/>
+          </a:ln>
+        </p:spPr>
+      </p:pic>
+      <p:pic>
+        <p:nvPicPr>
+          <p:cNvPr id="7" name="Google Shape;63;p14">
+            <a:extLst>
+              <a:ext uri="{FF2B5EF4-FFF2-40B4-BE49-F238E27FC236}">
+                <a16:creationId xmlns:a16="http://schemas.microsoft.com/office/drawing/2014/main" id="{B5136630-1135-796B-C68E-967609E4DA6C}"/>
+              </a:ext>
+            </a:extLst>
+          </p:cNvPr>
+          <p:cNvPicPr preferRelativeResize="0"/>
+          <p:nvPr/>
+        </p:nvPicPr>
+        <p:blipFill>
+          <a:blip r:embed="rId14" cstate="email">
+            <a:alphaModFix/>
+            <a:extLst>
+              <a:ext uri="{28A0092B-C50C-407E-A947-70E740481C1C}">
+                <a14:useLocalDpi xmlns:a14="http://schemas.microsoft.com/office/drawing/2010/main"/>
+              </a:ext>
+            </a:extLst>
+          </a:blip>
+          <a:stretch>
+            <a:fillRect/>
+          </a:stretch>
+        </p:blipFill>
+        <p:spPr>
+          <a:xfrm>
+            <a:off x="9053057" y="407971"/>
+            <a:ext cx="1793606" cy="2787994"/>
+          </a:xfrm>
+          <a:prstGeom prst="rect">
+            <a:avLst/>
+          </a:prstGeom>
+          <a:noFill/>
+          <a:ln w="9525" cap="flat" cmpd="sng">
+            <a:solidFill>
+              <a:srgbClr val="FF0000"/>
+            </a:solidFill>
+            <a:prstDash val="solid"/>
+            <a:round/>
+            <a:headEnd type="none" w="sm" len="sm"/>
+            <a:tailEnd type="none" w="sm" len="sm"/>
+          </a:ln>
+        </p:spPr>
+      </p:pic>
+      <p:pic>
+        <p:nvPicPr>
+          <p:cNvPr id="9" name="Google Shape;74;p15">
+            <a:extLst>
+              <a:ext uri="{FF2B5EF4-FFF2-40B4-BE49-F238E27FC236}">
+                <a16:creationId xmlns:a16="http://schemas.microsoft.com/office/drawing/2014/main" id="{8B6F8FE6-1E05-ED68-FA32-FBC946F46E31}"/>
+              </a:ext>
+            </a:extLst>
+          </p:cNvPr>
+          <p:cNvPicPr preferRelativeResize="0"/>
+          <p:nvPr/>
+        </p:nvPicPr>
+        <p:blipFill>
+          <a:blip r:embed="rId15" cstate="email">
+            <a:alphaModFix/>
+            <a:extLst>
+              <a:ext uri="{28A0092B-C50C-407E-A947-70E740481C1C}">
+                <a14:useLocalDpi xmlns:a14="http://schemas.microsoft.com/office/drawing/2010/main"/>
+              </a:ext>
+            </a:extLst>
+          </a:blip>
+          <a:stretch>
+            <a:fillRect/>
+          </a:stretch>
+        </p:blipFill>
+        <p:spPr>
+          <a:xfrm>
+            <a:off x="4742483" y="3260535"/>
+            <a:ext cx="2081745" cy="1707499"/>
+          </a:xfrm>
+          <a:prstGeom prst="rect">
+            <a:avLst/>
+          </a:prstGeom>
+          <a:noFill/>
+          <a:ln w="9525" cap="flat" cmpd="sng">
+            <a:solidFill>
+              <a:srgbClr val="FF0000"/>
+            </a:solidFill>
+            <a:prstDash val="solid"/>
+            <a:round/>
+            <a:headEnd type="none" w="sm" len="sm"/>
+            <a:tailEnd type="none" w="sm" len="sm"/>
+          </a:ln>
+        </p:spPr>
+      </p:pic>
+      <p:pic>
+        <p:nvPicPr>
+          <p:cNvPr id="11" name="Google Shape;75;p15">
+            <a:extLst>
+              <a:ext uri="{FF2B5EF4-FFF2-40B4-BE49-F238E27FC236}">
+                <a16:creationId xmlns:a16="http://schemas.microsoft.com/office/drawing/2014/main" id="{49C4225E-4E4E-E068-1BE5-FD533B8948C4}"/>
+              </a:ext>
+            </a:extLst>
+          </p:cNvPr>
+          <p:cNvPicPr preferRelativeResize="0"/>
+          <p:nvPr/>
+        </p:nvPicPr>
+        <p:blipFill>
+          <a:blip r:embed="rId16" cstate="email">
+            <a:alphaModFix/>
+            <a:extLst>
+              <a:ext uri="{28A0092B-C50C-407E-A947-70E740481C1C}">
+                <a14:useLocalDpi xmlns:a14="http://schemas.microsoft.com/office/drawing/2010/main"/>
+              </a:ext>
+            </a:extLst>
+          </a:blip>
+          <a:stretch>
+            <a:fillRect/>
+          </a:stretch>
+        </p:blipFill>
+        <p:spPr>
+          <a:xfrm>
+            <a:off x="7053785" y="3260536"/>
+            <a:ext cx="2545099" cy="1707506"/>
+          </a:xfrm>
+          <a:prstGeom prst="rect">
+            <a:avLst/>
+          </a:prstGeom>
+          <a:noFill/>
+          <a:ln w="9525" cap="flat" cmpd="sng">
+            <a:solidFill>
+              <a:srgbClr val="FF0000"/>
+            </a:solidFill>
+            <a:prstDash val="solid"/>
+            <a:round/>
+            <a:headEnd type="none" w="sm" len="sm"/>
+            <a:tailEnd type="none" w="sm" len="sm"/>
+          </a:ln>
+        </p:spPr>
+      </p:pic>
+      <p:pic>
+        <p:nvPicPr>
+          <p:cNvPr id="12" name="Google Shape;70;p15">
+            <a:extLst>
+              <a:ext uri="{FF2B5EF4-FFF2-40B4-BE49-F238E27FC236}">
+                <a16:creationId xmlns:a16="http://schemas.microsoft.com/office/drawing/2014/main" id="{634AD339-CBF8-008F-443D-DD5AEC87A504}"/>
+              </a:ext>
+            </a:extLst>
+          </p:cNvPr>
+          <p:cNvPicPr preferRelativeResize="0"/>
+          <p:nvPr/>
+        </p:nvPicPr>
+        <p:blipFill>
+          <a:blip r:embed="rId17" cstate="email">
+            <a:alphaModFix/>
+            <a:extLst>
+              <a:ext uri="{28A0092B-C50C-407E-A947-70E740481C1C}">
+                <a14:useLocalDpi xmlns:a14="http://schemas.microsoft.com/office/drawing/2010/main"/>
+              </a:ext>
+            </a:extLst>
+          </a:blip>
+          <a:stretch>
+            <a:fillRect/>
+          </a:stretch>
+        </p:blipFill>
+        <p:spPr>
+          <a:xfrm>
+            <a:off x="8564793" y="5490424"/>
+            <a:ext cx="1585913" cy="1057275"/>
+          </a:xfrm>
+          <a:prstGeom prst="rect">
+            <a:avLst/>
+          </a:prstGeom>
+          <a:noFill/>
+          <a:ln>
+            <a:noFill/>
+          </a:ln>
+        </p:spPr>
+      </p:pic>
+      <p:pic>
+        <p:nvPicPr>
+          <p:cNvPr id="13" name="Google Shape;72;p15">
+            <a:extLst>
+              <a:ext uri="{FF2B5EF4-FFF2-40B4-BE49-F238E27FC236}">
+                <a16:creationId xmlns:a16="http://schemas.microsoft.com/office/drawing/2014/main" id="{F7430E0C-EE7A-F40E-1311-44D068DE36C1}"/>
+              </a:ext>
+            </a:extLst>
+          </p:cNvPr>
+          <p:cNvPicPr preferRelativeResize="0"/>
+          <p:nvPr/>
+        </p:nvPicPr>
+        <p:blipFill>
+          <a:blip r:embed="rId18" cstate="email">
+            <a:alphaModFix/>
+            <a:extLst>
+              <a:ext uri="{28A0092B-C50C-407E-A947-70E740481C1C}">
+                <a14:useLocalDpi xmlns:a14="http://schemas.microsoft.com/office/drawing/2010/main"/>
+              </a:ext>
+            </a:extLst>
+          </a:blip>
+          <a:stretch>
+            <a:fillRect/>
+          </a:stretch>
+        </p:blipFill>
+        <p:spPr>
+          <a:xfrm>
+            <a:off x="5226906" y="5425629"/>
+            <a:ext cx="1437931" cy="1122075"/>
+          </a:xfrm>
+          <a:prstGeom prst="rect">
+            <a:avLst/>
+          </a:prstGeom>
+          <a:noFill/>
+          <a:ln>
+            <a:noFill/>
+          </a:ln>
+        </p:spPr>
+      </p:pic>
+      <p:pic>
+        <p:nvPicPr>
+          <p:cNvPr id="14" name="Google Shape;73;p15">
+            <a:extLst>
+              <a:ext uri="{FF2B5EF4-FFF2-40B4-BE49-F238E27FC236}">
+                <a16:creationId xmlns:a16="http://schemas.microsoft.com/office/drawing/2014/main" id="{145D0BB8-ECAE-13DF-0D0F-7FF6458944EF}"/>
+              </a:ext>
+            </a:extLst>
+          </p:cNvPr>
+          <p:cNvPicPr preferRelativeResize="0"/>
+          <p:nvPr/>
+        </p:nvPicPr>
+        <p:blipFill>
+          <a:blip r:embed="rId19" cstate="email">
+            <a:alphaModFix/>
+            <a:extLst>
+              <a:ext uri="{28A0092B-C50C-407E-A947-70E740481C1C}">
+                <a14:useLocalDpi xmlns:a14="http://schemas.microsoft.com/office/drawing/2010/main"/>
+              </a:ext>
+            </a:extLst>
+          </a:blip>
+          <a:stretch>
+            <a:fillRect/>
+          </a:stretch>
+        </p:blipFill>
+        <p:spPr>
+          <a:xfrm>
+            <a:off x="7053785" y="5425629"/>
+            <a:ext cx="1122075" cy="1122075"/>
+          </a:xfrm>
+          <a:prstGeom prst="rect">
+            <a:avLst/>
+          </a:prstGeom>
+          <a:noFill/>
+          <a:ln>
+            <a:noFill/>
+          </a:ln>
+        </p:spPr>
+      </p:pic>
+    </p:spTree>
+    <p:extLst>
+      <p:ext uri="{BB962C8B-B14F-4D97-AF65-F5344CB8AC3E}">
+        <p14:creationId xmlns:p14="http://schemas.microsoft.com/office/powerpoint/2010/main" val="3765488480"/>
+      </p:ext>
+    </p:extLst>
+  </p:cSld>
+  <p:clrMapOvr>
+    <a:masterClrMapping/>
+  </p:clrMapOvr>
+</p:sld>
+</file>
+
+<file path=ppt/slides/slide6.xml><?xml version="1.0" encoding="utf-8"?>
+<p:sld xmlns:a="http://schemas.openxmlformats.org/drawingml/2006/main" xmlns:r="http://schemas.openxmlformats.org/officeDocument/2006/relationships" xmlns:p="http://schemas.openxmlformats.org/presentationml/2006/main">
+  <p:cSld>
+    <p:spTree>
+      <p:nvGrpSpPr>
+        <p:cNvPr id="1" name="">
+          <a:extLst>
+            <a:ext uri="{FF2B5EF4-FFF2-40B4-BE49-F238E27FC236}">
+              <a16:creationId xmlns:a16="http://schemas.microsoft.com/office/drawing/2014/main" id="{B164CF0B-EC81-CE7E-BDE5-AE3A61EB58E1}"/>
+            </a:ext>
+          </a:extLst>
+        </p:cNvPr>
+        <p:cNvGrpSpPr/>
+        <p:nvPr/>
+      </p:nvGrpSpPr>
+      <p:grpSpPr>
+        <a:xfrm>
+          <a:off x="0" y="0"/>
+          <a:ext cx="0" cy="0"/>
+          <a:chOff x="0" y="0"/>
+          <a:chExt cx="0" cy="0"/>
+        </a:xfrm>
+      </p:grpSpPr>
+      <p:sp>
+        <p:nvSpPr>
+          <p:cNvPr id="2" name="TextBox 1">
+            <a:extLst>
+              <a:ext uri="{FF2B5EF4-FFF2-40B4-BE49-F238E27FC236}">
+                <a16:creationId xmlns:a16="http://schemas.microsoft.com/office/drawing/2014/main" id="{8AA2CC49-5002-C0ED-EB4A-945150499B16}"/>
+              </a:ext>
+            </a:extLst>
+          </p:cNvPr>
+          <p:cNvSpPr txBox="1"/>
+          <p:nvPr/>
+        </p:nvSpPr>
+        <p:spPr>
+          <a:xfrm>
+            <a:off x="160472" y="181050"/>
+            <a:ext cx="4850999" cy="2554545"/>
+          </a:xfrm>
+          <a:prstGeom prst="rect">
+            <a:avLst/>
+          </a:prstGeom>
+          <a:noFill/>
+        </p:spPr>
+        <p:txBody>
+          <a:bodyPr wrap="square" rtlCol="0">
+            <a:spAutoFit/>
+          </a:bodyPr>
+          <a:lstStyle/>
+          <a:p>
+            <a:r>
+              <a:rPr lang="en-US" sz="1400" b="1" dirty="0">
+                <a:solidFill>
+                  <a:srgbClr val="FF0000"/>
+                </a:solidFill>
+              </a:rPr>
+              <a:t>Polaris Ranger UTV Winch </a:t>
+            </a:r>
+          </a:p>
+          <a:p>
+            <a:r>
+              <a:rPr lang="en-US" sz="1400" b="1" dirty="0">
+                <a:solidFill>
+                  <a:srgbClr val="FF0000"/>
+                </a:solidFill>
+              </a:rPr>
+              <a:t>Auto-Stop Fairlead Kit </a:t>
+            </a:r>
+          </a:p>
+          <a:p>
+            <a:r>
+              <a:rPr lang="en-US" sz="1400" b="1" dirty="0">
+                <a:solidFill>
+                  <a:srgbClr val="FF0000"/>
+                </a:solidFill>
+              </a:rPr>
+              <a:t>by </a:t>
+            </a:r>
+            <a:r>
+              <a:rPr lang="en-US" sz="1400" b="1" dirty="0" err="1">
+                <a:solidFill>
+                  <a:srgbClr val="FF0000"/>
+                </a:solidFill>
+              </a:rPr>
+              <a:t>SuperATV</a:t>
+            </a:r>
+            <a:endParaRPr lang="en-US" sz="1400" b="1" dirty="0">
+              <a:solidFill>
+                <a:srgbClr val="FF0000"/>
+              </a:solidFill>
+            </a:endParaRPr>
+          </a:p>
+          <a:p>
+            <a:endParaRPr lang="en-US" sz="1400" b="1" dirty="0"/>
+          </a:p>
+          <a:p>
+            <a:r>
+              <a:rPr lang="en-US" sz="1400" dirty="0"/>
+              <a:t>$223</a:t>
+            </a:r>
+          </a:p>
+          <a:p>
+            <a:endParaRPr lang="en-US" sz="1400" b="1" dirty="0"/>
+          </a:p>
+          <a:p>
+            <a:r>
+              <a:rPr lang="en-US" sz="1000" dirty="0">
+                <a:hlinkClick r:id="rId2"/>
+              </a:rPr>
+              <a:t>https://</a:t>
+            </a:r>
+            <a:r>
+              <a:rPr lang="en-US" sz="1000" dirty="0" err="1">
+                <a:hlinkClick r:id="rId2"/>
+              </a:rPr>
+              <a:t>www.everythingpolarisranger.com</a:t>
+            </a:r>
+            <a:r>
+              <a:rPr lang="en-US" sz="1000" dirty="0">
+                <a:hlinkClick r:id="rId2"/>
+              </a:rPr>
+              <a:t>/</a:t>
+            </a:r>
+            <a:r>
+              <a:rPr lang="en-US" sz="1000" dirty="0" err="1">
+                <a:hlinkClick r:id="rId2"/>
+              </a:rPr>
+              <a:t>polaris</a:t>
+            </a:r>
+            <a:r>
+              <a:rPr lang="en-US" sz="1000" dirty="0">
+                <a:hlinkClick r:id="rId2"/>
+              </a:rPr>
+              <a:t>-ranger-</a:t>
+            </a:r>
+            <a:r>
+              <a:rPr lang="en-US" sz="1000" dirty="0" err="1">
+                <a:hlinkClick r:id="rId2"/>
+              </a:rPr>
+              <a:t>utv</a:t>
+            </a:r>
+            <a:r>
+              <a:rPr lang="en-US" sz="1000" dirty="0">
+                <a:hlinkClick r:id="rId2"/>
+              </a:rPr>
+              <a:t>-winch-auto-stop-fairlead-kit-by-</a:t>
+            </a:r>
+            <a:r>
+              <a:rPr lang="en-US" sz="1000" dirty="0" err="1">
+                <a:hlinkClick r:id="rId2"/>
+              </a:rPr>
+              <a:t>superatv</a:t>
+            </a:r>
+            <a:r>
+              <a:rPr lang="en-US" sz="1000" dirty="0">
+                <a:hlinkClick r:id="rId2"/>
+              </a:rPr>
+              <a:t>/</a:t>
+            </a:r>
+            <a:endParaRPr lang="en-US" sz="1000" dirty="0"/>
+          </a:p>
+          <a:p>
+            <a:endParaRPr lang="en-US" sz="1400" b="1" dirty="0"/>
+          </a:p>
+          <a:p>
+            <a:r>
+              <a:rPr lang="en-US" sz="1400" dirty="0"/>
+              <a:t>A plastic stopper cylinder is put onto the cable.</a:t>
+            </a:r>
+          </a:p>
+          <a:p>
+            <a:r>
+              <a:rPr lang="en-US" sz="1400" dirty="0"/>
+              <a:t>When the stopper approaches and touches the mouth of the fairlead, the winch shuts off</a:t>
+            </a:r>
+          </a:p>
+        </p:txBody>
+      </p:sp>
+      <p:pic>
+        <p:nvPicPr>
+          <p:cNvPr id="5" name="Picture 4">
+            <a:extLst>
+              <a:ext uri="{FF2B5EF4-FFF2-40B4-BE49-F238E27FC236}">
+                <a16:creationId xmlns:a16="http://schemas.microsoft.com/office/drawing/2014/main" id="{9ACE4626-BACE-EBD8-E682-DFE1A1AB4243}"/>
+              </a:ext>
+            </a:extLst>
+          </p:cNvPr>
+          <p:cNvPicPr>
+            <a:picLocks noChangeAspect="1"/>
+          </p:cNvPicPr>
+          <p:nvPr/>
+        </p:nvPicPr>
+        <p:blipFill>
+          <a:blip r:embed="rId3" cstate="email">
+            <a:extLst>
+              <a:ext uri="{28A0092B-C50C-407E-A947-70E740481C1C}">
+                <a14:useLocalDpi xmlns:a14="http://schemas.microsoft.com/office/drawing/2010/main"/>
+              </a:ext>
+            </a:extLst>
+          </a:blip>
+          <a:stretch>
+            <a:fillRect/>
+          </a:stretch>
+        </p:blipFill>
+        <p:spPr>
+          <a:xfrm>
+            <a:off x="6096000" y="76200"/>
+            <a:ext cx="5689600" cy="3352800"/>
+          </a:xfrm>
+          <a:prstGeom prst="rect">
+            <a:avLst/>
+          </a:prstGeom>
+        </p:spPr>
+      </p:pic>
+      <p:pic>
+        <p:nvPicPr>
+          <p:cNvPr id="1026" name="Picture 2" descr="Viper ATV/UTV Auto Stop Fairlead - Wide ...">
+            <a:extLst>
+              <a:ext uri="{FF2B5EF4-FFF2-40B4-BE49-F238E27FC236}">
+                <a16:creationId xmlns:a16="http://schemas.microsoft.com/office/drawing/2014/main" id="{CD9794CF-8BBC-492A-83CC-D749F2DADC77}"/>
+              </a:ext>
+            </a:extLst>
+          </p:cNvPr>
+          <p:cNvPicPr>
+            <a:picLocks noChangeAspect="1" noChangeArrowheads="1"/>
+          </p:cNvPicPr>
+          <p:nvPr/>
+        </p:nvPicPr>
+        <p:blipFill>
+          <a:blip r:embed="rId4">
+            <a:extLst>
+              <a:ext uri="{28A0092B-C50C-407E-A947-70E740481C1C}">
+                <a14:useLocalDpi xmlns:a14="http://schemas.microsoft.com/office/drawing/2010/main"/>
+              </a:ext>
+            </a:extLst>
+          </a:blip>
+          <a:srcRect/>
+          <a:stretch>
+            <a:fillRect/>
+          </a:stretch>
+        </p:blipFill>
+        <p:spPr bwMode="auto">
+          <a:xfrm>
+            <a:off x="1509982" y="3000914"/>
+            <a:ext cx="2857500" cy="2857500"/>
+          </a:xfrm>
+          <a:prstGeom prst="rect">
+            <a:avLst/>
+          </a:prstGeom>
+          <a:noFill/>
+          <a:extLst>
+            <a:ext uri="{909E8E84-426E-40DD-AFC4-6F175D3DCCD1}">
+              <a14:hiddenFill xmlns:a14="http://schemas.microsoft.com/office/drawing/2010/main">
+                <a:solidFill>
+                  <a:srgbClr val="FFFFFF"/>
+                </a:solidFill>
+              </a14:hiddenFill>
+            </a:ext>
+          </a:extLst>
+        </p:spPr>
+      </p:pic>
+    </p:spTree>
+    <p:extLst>
+      <p:ext uri="{BB962C8B-B14F-4D97-AF65-F5344CB8AC3E}">
+        <p14:creationId xmlns:p14="http://schemas.microsoft.com/office/powerpoint/2010/main" val="1593387358"/>
+      </p:ext>
+    </p:extLst>
+  </p:cSld>
+  <p:clrMapOvr>
+    <a:masterClrMapping/>
+  </p:clrMapOvr>
+</p:sld>
+</file>
+
+<file path=ppt/slides/slide7.xml><?xml version="1.0" encoding="utf-8"?>
+<p:sld xmlns:a="http://schemas.openxmlformats.org/drawingml/2006/main" xmlns:r="http://schemas.openxmlformats.org/officeDocument/2006/relationships" xmlns:p="http://schemas.openxmlformats.org/presentationml/2006/main">
+  <p:cSld>
+    <p:spTree>
+      <p:nvGrpSpPr>
+        <p:cNvPr id="1" name=""/>
+        <p:cNvGrpSpPr/>
+        <p:nvPr/>
+      </p:nvGrpSpPr>
+      <p:grpSpPr>
+        <a:xfrm>
+          <a:off x="0" y="0"/>
+          <a:ext cx="0" cy="0"/>
+          <a:chOff x="0" y="0"/>
+          <a:chExt cx="0" cy="0"/>
+        </a:xfrm>
+      </p:grpSpPr>
+      <p:sp>
+        <p:nvSpPr>
+          <p:cNvPr id="2" name="TextBox 1">
+            <a:extLst>
+              <a:ext uri="{FF2B5EF4-FFF2-40B4-BE49-F238E27FC236}">
+                <a16:creationId xmlns:a16="http://schemas.microsoft.com/office/drawing/2014/main" id="{0F0FA36D-3404-1E9C-B96C-7A351AA9B517}"/>
+              </a:ext>
+            </a:extLst>
+          </p:cNvPr>
+          <p:cNvSpPr txBox="1"/>
+          <p:nvPr/>
+        </p:nvSpPr>
+        <p:spPr>
+          <a:xfrm>
             <a:off x="143219" y="198303"/>
             <a:ext cx="3514381" cy="369332"/>
           </a:xfrm>
@@ -6987,7 +8446,7 @@
 </p:sld>
 </file>
 
-<file path=ppt/slides/slide6.xml><?xml version="1.0" encoding="utf-8"?>
+<file path=ppt/slides/slide8.xml><?xml version="1.0" encoding="utf-8"?>
 <p:sld xmlns:a="http://schemas.openxmlformats.org/drawingml/2006/main" xmlns:r="http://schemas.openxmlformats.org/officeDocument/2006/relationships" xmlns:p="http://schemas.openxmlformats.org/presentationml/2006/main">
   <p:cSld>
     <p:spTree>
@@ -7825,4 +9284,319 @@
     </a:ext>
   </a:extLst>
 </a:theme>
+</file>
+
+<file path=ppt/theme/theme2.xml><?xml version="1.0" encoding="utf-8"?>
+<a:theme xmlns:a="http://schemas.openxmlformats.org/drawingml/2006/main" name="Office Theme">
+  <a:themeElements>
+    <a:clrScheme name="Office">
+      <a:dk1>
+        <a:sysClr val="windowText" lastClr="000000"/>
+      </a:dk1>
+      <a:lt1>
+        <a:sysClr val="window" lastClr="FFFFFF"/>
+      </a:lt1>
+      <a:dk2>
+        <a:srgbClr val="0E2841"/>
+      </a:dk2>
+      <a:lt2>
+        <a:srgbClr val="E8E8E8"/>
+      </a:lt2>
+      <a:accent1>
+        <a:srgbClr val="156082"/>
+      </a:accent1>
+      <a:accent2>
+        <a:srgbClr val="E97132"/>
+      </a:accent2>
+      <a:accent3>
+        <a:srgbClr val="196B24"/>
+      </a:accent3>
+      <a:accent4>
+        <a:srgbClr val="0F9ED5"/>
+      </a:accent4>
+      <a:accent5>
+        <a:srgbClr val="A02B93"/>
+      </a:accent5>
+      <a:accent6>
+        <a:srgbClr val="4EA72E"/>
+      </a:accent6>
+      <a:hlink>
+        <a:srgbClr val="467886"/>
+      </a:hlink>
+      <a:folHlink>
+        <a:srgbClr val="96607D"/>
+      </a:folHlink>
+    </a:clrScheme>
+    <a:fontScheme name="Office">
+      <a:majorFont>
+        <a:latin typeface="Aptos Display" panose="02110004020202020204"/>
+        <a:ea typeface=""/>
+        <a:cs typeface=""/>
+        <a:font script="Jpan" typeface="游ゴシック Light"/>
+        <a:font script="Hang" typeface="맑은 고딕"/>
+        <a:font script="Hans" typeface="等线 Light"/>
+        <a:font script="Hant" typeface="新細明體"/>
+        <a:font script="Arab" typeface="Times New Roman"/>
+        <a:font script="Hebr" typeface="Times New Roman"/>
+        <a:font script="Thai" typeface="Angsana New"/>
+        <a:font script="Ethi" typeface="Nyala"/>
+        <a:font script="Beng" typeface="Vrinda"/>
+        <a:font script="Gujr" typeface="Shruti"/>
+        <a:font script="Khmr" typeface="MoolBoran"/>
+        <a:font script="Knda" typeface="Tunga"/>
+        <a:font script="Guru" typeface="Raavi"/>
+        <a:font script="Cans" typeface="Euphemia"/>
+        <a:font script="Cher" typeface="Plantagenet Cherokee"/>
+        <a:font script="Yiii" typeface="Microsoft Yi Baiti"/>
+        <a:font script="Tibt" typeface="Microsoft Himalaya"/>
+        <a:font script="Thaa" typeface="MV Boli"/>
+        <a:font script="Deva" typeface="Mangal"/>
+        <a:font script="Telu" typeface="Gautami"/>
+        <a:font script="Taml" typeface="Latha"/>
+        <a:font script="Syrc" typeface="Estrangelo Edessa"/>
+        <a:font script="Orya" typeface="Kalinga"/>
+        <a:font script="Mlym" typeface="Kartika"/>
+        <a:font script="Laoo" typeface="DokChampa"/>
+        <a:font script="Sinh" typeface="Iskoola Pota"/>
+        <a:font script="Mong" typeface="Mongolian Baiti"/>
+        <a:font script="Viet" typeface="Times New Roman"/>
+        <a:font script="Uigh" typeface="Microsoft Uighur"/>
+        <a:font script="Geor" typeface="Sylfaen"/>
+        <a:font script="Armn" typeface="Arial"/>
+        <a:font script="Bugi" typeface="Leelawadee UI"/>
+        <a:font script="Bopo" typeface="Microsoft JhengHei"/>
+        <a:font script="Java" typeface="Javanese Text"/>
+        <a:font script="Lisu" typeface="Segoe UI"/>
+        <a:font script="Mymr" typeface="Myanmar Text"/>
+        <a:font script="Nkoo" typeface="Ebrima"/>
+        <a:font script="Olck" typeface="Nirmala UI"/>
+        <a:font script="Osma" typeface="Ebrima"/>
+        <a:font script="Phag" typeface="Phagspa"/>
+        <a:font script="Syrn" typeface="Estrangelo Edessa"/>
+        <a:font script="Syrj" typeface="Estrangelo Edessa"/>
+        <a:font script="Syre" typeface="Estrangelo Edessa"/>
+        <a:font script="Sora" typeface="Nirmala UI"/>
+        <a:font script="Tale" typeface="Microsoft Tai Le"/>
+        <a:font script="Talu" typeface="Microsoft New Tai Lue"/>
+        <a:font script="Tfng" typeface="Ebrima"/>
+      </a:majorFont>
+      <a:minorFont>
+        <a:latin typeface="Aptos" panose="02110004020202020204"/>
+        <a:ea typeface=""/>
+        <a:cs typeface=""/>
+        <a:font script="Jpan" typeface="游ゴシック"/>
+        <a:font script="Hang" typeface="맑은 고딕"/>
+        <a:font script="Hans" typeface="等线"/>
+        <a:font script="Hant" typeface="新細明體"/>
+        <a:font script="Arab" typeface="Arial"/>
+        <a:font script="Hebr" typeface="Arial"/>
+        <a:font script="Thai" typeface="Cordia New"/>
+        <a:font script="Ethi" typeface="Nyala"/>
+        <a:font script="Beng" typeface="Vrinda"/>
+        <a:font script="Gujr" typeface="Shruti"/>
+        <a:font script="Khmr" typeface="DaunPenh"/>
+        <a:font script="Knda" typeface="Tunga"/>
+        <a:font script="Guru" typeface="Raavi"/>
+        <a:font script="Cans" typeface="Euphemia"/>
+        <a:font script="Cher" typeface="Plantagenet Cherokee"/>
+        <a:font script="Yiii" typeface="Microsoft Yi Baiti"/>
+        <a:font script="Tibt" typeface="Microsoft Himalaya"/>
+        <a:font script="Thaa" typeface="MV Boli"/>
+        <a:font script="Deva" typeface="Mangal"/>
+        <a:font script="Telu" typeface="Gautami"/>
+        <a:font script="Taml" typeface="Latha"/>
+        <a:font script="Syrc" typeface="Estrangelo Edessa"/>
+        <a:font script="Orya" typeface="Kalinga"/>
+        <a:font script="Mlym" typeface="Kartika"/>
+        <a:font script="Laoo" typeface="DokChampa"/>
+        <a:font script="Sinh" typeface="Iskoola Pota"/>
+        <a:font script="Mong" typeface="Mongolian Baiti"/>
+        <a:font script="Viet" typeface="Arial"/>
+        <a:font script="Uigh" typeface="Microsoft Uighur"/>
+        <a:font script="Geor" typeface="Sylfaen"/>
+        <a:font script="Armn" typeface="Arial"/>
+        <a:font script="Bugi" typeface="Leelawadee UI"/>
+        <a:font script="Bopo" typeface="Microsoft JhengHei"/>
+        <a:font script="Java" typeface="Javanese Text"/>
+        <a:font script="Lisu" typeface="Segoe UI"/>
+        <a:font script="Mymr" typeface="Myanmar Text"/>
+        <a:font script="Nkoo" typeface="Ebrima"/>
+        <a:font script="Olck" typeface="Nirmala UI"/>
+        <a:font script="Osma" typeface="Ebrima"/>
+        <a:font script="Phag" typeface="Phagspa"/>
+        <a:font script="Syrn" typeface="Estrangelo Edessa"/>
+        <a:font script="Syrj" typeface="Estrangelo Edessa"/>
+        <a:font script="Syre" typeface="Estrangelo Edessa"/>
+        <a:font script="Sora" typeface="Nirmala UI"/>
+        <a:font script="Tale" typeface="Microsoft Tai Le"/>
+        <a:font script="Talu" typeface="Microsoft New Tai Lue"/>
+        <a:font script="Tfng" typeface="Ebrima"/>
+      </a:minorFont>
+    </a:fontScheme>
+    <a:fmtScheme name="Office">
+      <a:fillStyleLst>
+        <a:solidFill>
+          <a:schemeClr val="phClr"/>
+        </a:solidFill>
+        <a:gradFill rotWithShape="1">
+          <a:gsLst>
+            <a:gs pos="0">
+              <a:schemeClr val="phClr">
+                <a:lumMod val="110000"/>
+                <a:satMod val="105000"/>
+                <a:tint val="67000"/>
+              </a:schemeClr>
+            </a:gs>
+            <a:gs pos="50000">
+              <a:schemeClr val="phClr">
+                <a:lumMod val="105000"/>
+                <a:satMod val="103000"/>
+                <a:tint val="73000"/>
+              </a:schemeClr>
+            </a:gs>
+            <a:gs pos="100000">
+              <a:schemeClr val="phClr">
+                <a:lumMod val="105000"/>
+                <a:satMod val="109000"/>
+                <a:tint val="81000"/>
+              </a:schemeClr>
+            </a:gs>
+          </a:gsLst>
+          <a:lin ang="5400000" scaled="0"/>
+        </a:gradFill>
+        <a:gradFill rotWithShape="1">
+          <a:gsLst>
+            <a:gs pos="0">
+              <a:schemeClr val="phClr">
+                <a:satMod val="103000"/>
+                <a:lumMod val="102000"/>
+                <a:tint val="94000"/>
+              </a:schemeClr>
+            </a:gs>
+            <a:gs pos="50000">
+              <a:schemeClr val="phClr">
+                <a:satMod val="110000"/>
+                <a:lumMod val="100000"/>
+                <a:shade val="100000"/>
+              </a:schemeClr>
+            </a:gs>
+            <a:gs pos="100000">
+              <a:schemeClr val="phClr">
+                <a:lumMod val="99000"/>
+                <a:satMod val="120000"/>
+                <a:shade val="78000"/>
+              </a:schemeClr>
+            </a:gs>
+          </a:gsLst>
+          <a:lin ang="5400000" scaled="0"/>
+        </a:gradFill>
+      </a:fillStyleLst>
+      <a:lnStyleLst>
+        <a:ln w="12700" cap="flat" cmpd="sng" algn="ctr">
+          <a:solidFill>
+            <a:schemeClr val="phClr"/>
+          </a:solidFill>
+          <a:prstDash val="solid"/>
+          <a:miter lim="800000"/>
+        </a:ln>
+        <a:ln w="19050" cap="flat" cmpd="sng" algn="ctr">
+          <a:solidFill>
+            <a:schemeClr val="phClr"/>
+          </a:solidFill>
+          <a:prstDash val="solid"/>
+          <a:miter lim="800000"/>
+        </a:ln>
+        <a:ln w="25400" cap="flat" cmpd="sng" algn="ctr">
+          <a:solidFill>
+            <a:schemeClr val="phClr"/>
+          </a:solidFill>
+          <a:prstDash val="solid"/>
+          <a:miter lim="800000"/>
+        </a:ln>
+      </a:lnStyleLst>
+      <a:effectStyleLst>
+        <a:effectStyle>
+          <a:effectLst/>
+        </a:effectStyle>
+        <a:effectStyle>
+          <a:effectLst/>
+        </a:effectStyle>
+        <a:effectStyle>
+          <a:effectLst>
+            <a:outerShdw blurRad="57150" dist="19050" dir="5400000" algn="ctr" rotWithShape="0">
+              <a:srgbClr val="000000">
+                <a:alpha val="63000"/>
+              </a:srgbClr>
+            </a:outerShdw>
+          </a:effectLst>
+        </a:effectStyle>
+      </a:effectStyleLst>
+      <a:bgFillStyleLst>
+        <a:solidFill>
+          <a:schemeClr val="phClr"/>
+        </a:solidFill>
+        <a:solidFill>
+          <a:schemeClr val="phClr">
+            <a:tint val="95000"/>
+            <a:satMod val="170000"/>
+          </a:schemeClr>
+        </a:solidFill>
+        <a:gradFill rotWithShape="1">
+          <a:gsLst>
+            <a:gs pos="0">
+              <a:schemeClr val="phClr">
+                <a:tint val="93000"/>
+                <a:satMod val="150000"/>
+                <a:shade val="98000"/>
+                <a:lumMod val="102000"/>
+              </a:schemeClr>
+            </a:gs>
+            <a:gs pos="50000">
+              <a:schemeClr val="phClr">
+                <a:tint val="98000"/>
+                <a:satMod val="130000"/>
+                <a:shade val="90000"/>
+                <a:lumMod val="103000"/>
+              </a:schemeClr>
+            </a:gs>
+            <a:gs pos="100000">
+              <a:schemeClr val="phClr">
+                <a:shade val="63000"/>
+                <a:satMod val="120000"/>
+              </a:schemeClr>
+            </a:gs>
+          </a:gsLst>
+          <a:lin ang="5400000" scaled="0"/>
+        </a:gradFill>
+      </a:bgFillStyleLst>
+    </a:fmtScheme>
+  </a:themeElements>
+  <a:objectDefaults>
+    <a:lnDef>
+      <a:spPr/>
+      <a:bodyPr/>
+      <a:lstStyle/>
+      <a:style>
+        <a:lnRef idx="2">
+          <a:schemeClr val="accent1"/>
+        </a:lnRef>
+        <a:fillRef idx="0">
+          <a:schemeClr val="accent1"/>
+        </a:fillRef>
+        <a:effectRef idx="1">
+          <a:schemeClr val="accent1"/>
+        </a:effectRef>
+        <a:fontRef idx="minor">
+          <a:schemeClr val="tx1"/>
+        </a:fontRef>
+      </a:style>
+    </a:lnDef>
+  </a:objectDefaults>
+  <a:extraClrSchemeLst/>
+  <a:extLst>
+    <a:ext uri="{05A4C25C-085E-4340-85A3-A5531E510DB2}">
+      <thm15:themeFamily xmlns:thm15="http://schemas.microsoft.com/office/thememl/2012/main" name="Office Theme" id="{2E142A2C-CD16-42D6-873A-C26D2A0506FA}" vid="{1BDDFF52-6CD6-40A5-AB3C-68EB2F1E4D0A}"/>
+    </a:ext>
+  </a:extLst>
+</a:theme>
 </file>
--- a/snow_plow_blower.pptx
+++ b/snow_plow_blower.pptx
@@ -5,17 +5,18 @@
     <p:sldMasterId id="2147483648" r:id="rId1"/>
   </p:sldMasterIdLst>
   <p:notesMasterIdLst>
-    <p:notesMasterId r:id="rId10"/>
+    <p:notesMasterId r:id="rId11"/>
   </p:notesMasterIdLst>
   <p:sldIdLst>
     <p:sldId id="261" r:id="rId2"/>
     <p:sldId id="262" r:id="rId3"/>
     <p:sldId id="263" r:id="rId4"/>
     <p:sldId id="265" r:id="rId5"/>
-    <p:sldId id="267" r:id="rId6"/>
-    <p:sldId id="268" r:id="rId7"/>
-    <p:sldId id="264" r:id="rId8"/>
-    <p:sldId id="266" r:id="rId9"/>
+    <p:sldId id="269" r:id="rId6"/>
+    <p:sldId id="267" r:id="rId7"/>
+    <p:sldId id="268" r:id="rId8"/>
+    <p:sldId id="264" r:id="rId9"/>
+    <p:sldId id="266" r:id="rId10"/>
   </p:sldIdLst>
   <p:sldSz cx="12192000" cy="6858000"/>
   <p:notesSz cx="6858000" cy="9144000"/>
@@ -204,7 +205,7 @@
           <a:p>
             <a:fld id="{25BB0166-7DA8-4040-98E7-81186BCABFDE}" type="datetimeFigureOut">
               <a:rPr lang="en-US" smtClean="0"/>
-              <a:t>1/29/26</a:t>
+              <a:t>1/31/26</a:t>
             </a:fld>
             <a:endParaRPr lang="en-US"/>
           </a:p>
@@ -617,7 +618,7 @@
           <a:lstStyle/>
           <a:p>
             <a:fld id="{5F491023-0B0A-7041-9F06-D25A50EF063B}" type="datetimeFigureOut">
-              <a:t>1/29/26</a:t>
+              <a:t>1/31/26</a:t>
             </a:fld>
             <a:endParaRPr lang="en-US"/>
           </a:p>
@@ -813,7 +814,7 @@
           <a:lstStyle/>
           <a:p>
             <a:fld id="{5F491023-0B0A-7041-9F06-D25A50EF063B}" type="datetimeFigureOut">
-              <a:t>1/29/26</a:t>
+              <a:t>1/31/26</a:t>
             </a:fld>
             <a:endParaRPr lang="en-US"/>
           </a:p>
@@ -1019,7 +1020,7 @@
           <a:lstStyle/>
           <a:p>
             <a:fld id="{5F491023-0B0A-7041-9F06-D25A50EF063B}" type="datetimeFigureOut">
-              <a:t>1/29/26</a:t>
+              <a:t>1/31/26</a:t>
             </a:fld>
             <a:endParaRPr lang="en-US"/>
           </a:p>
@@ -1215,7 +1216,7 @@
           <a:lstStyle/>
           <a:p>
             <a:fld id="{5F491023-0B0A-7041-9F06-D25A50EF063B}" type="datetimeFigureOut">
-              <a:t>1/29/26</a:t>
+              <a:t>1/31/26</a:t>
             </a:fld>
             <a:endParaRPr lang="en-US"/>
           </a:p>
@@ -1488,7 +1489,7 @@
           <a:lstStyle/>
           <a:p>
             <a:fld id="{5F491023-0B0A-7041-9F06-D25A50EF063B}" type="datetimeFigureOut">
-              <a:t>1/29/26</a:t>
+              <a:t>1/31/26</a:t>
             </a:fld>
             <a:endParaRPr lang="en-US"/>
           </a:p>
@@ -1751,7 +1752,7 @@
           <a:lstStyle/>
           <a:p>
             <a:fld id="{5F491023-0B0A-7041-9F06-D25A50EF063B}" type="datetimeFigureOut">
-              <a:t>1/29/26</a:t>
+              <a:t>1/31/26</a:t>
             </a:fld>
             <a:endParaRPr lang="en-US"/>
           </a:p>
@@ -2161,7 +2162,7 @@
           <a:lstStyle/>
           <a:p>
             <a:fld id="{5F491023-0B0A-7041-9F06-D25A50EF063B}" type="datetimeFigureOut">
-              <a:t>1/29/26</a:t>
+              <a:t>1/31/26</a:t>
             </a:fld>
             <a:endParaRPr lang="en-US"/>
           </a:p>
@@ -2300,7 +2301,7 @@
           <a:lstStyle/>
           <a:p>
             <a:fld id="{5F491023-0B0A-7041-9F06-D25A50EF063B}" type="datetimeFigureOut">
-              <a:t>1/29/26</a:t>
+              <a:t>1/31/26</a:t>
             </a:fld>
             <a:endParaRPr lang="en-US"/>
           </a:p>
@@ -2411,7 +2412,7 @@
           <a:lstStyle/>
           <a:p>
             <a:fld id="{5F491023-0B0A-7041-9F06-D25A50EF063B}" type="datetimeFigureOut">
-              <a:t>1/29/26</a:t>
+              <a:t>1/31/26</a:t>
             </a:fld>
             <a:endParaRPr lang="en-US"/>
           </a:p>
@@ -2720,7 +2721,7 @@
           <a:lstStyle/>
           <a:p>
             <a:fld id="{5F491023-0B0A-7041-9F06-D25A50EF063B}" type="datetimeFigureOut">
-              <a:t>1/29/26</a:t>
+              <a:t>1/31/26</a:t>
             </a:fld>
             <a:endParaRPr lang="en-US"/>
           </a:p>
@@ -3006,7 +3007,7 @@
           <a:lstStyle/>
           <a:p>
             <a:fld id="{5F491023-0B0A-7041-9F06-D25A50EF063B}" type="datetimeFigureOut">
-              <a:t>1/29/26</a:t>
+              <a:t>1/31/26</a:t>
             </a:fld>
             <a:endParaRPr lang="en-US"/>
           </a:p>
@@ -3245,7 +3246,7 @@
           </a:lstStyle>
           <a:p>
             <a:fld id="{5F491023-0B0A-7041-9F06-D25A50EF063B}" type="datetimeFigureOut">
-              <a:t>1/29/26</a:t>
+              <a:t>1/31/26</a:t>
             </a:fld>
             <a:endParaRPr lang="en-US"/>
           </a:p>
@@ -5902,7 +5903,7 @@
         <p:spPr>
           <a:xfrm>
             <a:off x="143219" y="198303"/>
-            <a:ext cx="3514381" cy="3354765"/>
+            <a:ext cx="3514381" cy="1015663"/>
           </a:xfrm>
           <a:prstGeom prst="rect">
             <a:avLst/>
@@ -5917,160 +5918,105 @@
           <a:p>
             <a:r>
               <a:rPr lang="en-US" sz="2000" b="1" dirty="0"/>
-              <a:t>72-inch "KFI Plow" Snow Blade </a:t>
-            </a:r>
-          </a:p>
-          <a:p>
-            <a:endParaRPr lang="en-US" sz="1200" dirty="0"/>
-          </a:p>
-          <a:p>
-            <a:r>
-              <a:rPr lang="en-US" sz="1200" dirty="0"/>
-              <a:t>standard plow shoes (skid feet)</a:t>
-            </a:r>
-          </a:p>
-          <a:p>
-            <a:r>
-              <a:rPr lang="en-US" sz="1200" dirty="0"/>
-              <a:t>part # </a:t>
-            </a:r>
-            <a:r>
-              <a:rPr lang="en-US" sz="1200" dirty="0" err="1"/>
-              <a:t>kfi</a:t>
-            </a:r>
-            <a:r>
-              <a:rPr lang="en-US" sz="1200" dirty="0"/>
-              <a:t> 105490:</a:t>
-            </a:r>
-          </a:p>
-          <a:p>
-            <a:r>
-              <a:rPr lang="en-US" sz="1200" b="1" dirty="0">
-                <a:solidFill>
-                  <a:srgbClr val="FF0000"/>
-                </a:solidFill>
-              </a:rPr>
-              <a:t>Shoe (Base) Diameter - 3.5 inches</a:t>
-            </a:r>
-          </a:p>
-          <a:p>
-            <a:r>
-              <a:rPr lang="en-US" sz="1200" dirty="0"/>
-              <a:t>Shaft Diameter - 0.63 inches (approx. 5/8")</a:t>
-            </a:r>
-          </a:p>
-          <a:p>
-            <a:r>
-              <a:rPr lang="en-US" sz="1200" dirty="0"/>
-              <a:t>Pad Thickness   0.5 inches (1/2" Grade 50 Steel)</a:t>
-            </a:r>
-          </a:p>
-          <a:p>
-            <a:r>
-              <a:rPr lang="en-US" sz="1200" dirty="0"/>
-              <a:t>Total Bolt Length   6.5 inches</a:t>
-            </a:r>
-          </a:p>
-          <a:p>
-            <a:endParaRPr lang="en-US" sz="1200" dirty="0"/>
-          </a:p>
-          <a:p>
-            <a:r>
-              <a:rPr lang="en-US" sz="1200" dirty="0"/>
-              <a:t>KFI Plow Foot Bracket 105006-R</a:t>
-            </a:r>
-          </a:p>
-          <a:p>
-            <a:r>
-              <a:rPr lang="en-US" sz="1200" dirty="0"/>
-              <a:t>Attached to the blade with two 3/8"-16 x 1.00" carriage bolts and two nuts.</a:t>
-            </a:r>
-          </a:p>
-          <a:p>
-            <a:r>
-              <a:rPr lang="en-US" sz="1200" dirty="0"/>
-              <a:t>The distance between bolts 1.75 inches center-to-center</a:t>
-            </a:r>
-          </a:p>
-          <a:p>
-            <a:endParaRPr lang="en-US" sz="1200" dirty="0"/>
-          </a:p>
-          <a:p>
-            <a:r>
-              <a:rPr lang="en-US" sz="1200" dirty="0" err="1"/>
-              <a:t>Insalation</a:t>
-            </a:r>
-            <a:r>
-              <a:rPr lang="en-US" sz="1200" dirty="0"/>
-              <a:t>: </a:t>
-            </a:r>
-          </a:p>
-          <a:p>
-            <a:r>
-              <a:rPr lang="en-US" sz="1200" dirty="0"/>
-              <a:t>https://</a:t>
-            </a:r>
-            <a:r>
-              <a:rPr lang="en-US" sz="1200" dirty="0" err="1"/>
-              <a:t>www.youtube.com</a:t>
-            </a:r>
-            <a:r>
-              <a:rPr lang="en-US" sz="1200" dirty="0"/>
-              <a:t>/</a:t>
-            </a:r>
-            <a:r>
-              <a:rPr lang="en-US" sz="1200" dirty="0" err="1"/>
-              <a:t>watch?v</a:t>
-            </a:r>
-            <a:r>
-              <a:rPr lang="en-US" sz="1200" dirty="0"/>
-              <a:t>=jcAqaNDId9k </a:t>
-            </a:r>
-          </a:p>
-        </p:txBody>
-      </p:sp>
-      <p:pic>
-        <p:nvPicPr>
-          <p:cNvPr id="5" name="Picture 4">
-            <a:extLst>
-              <a:ext uri="{FF2B5EF4-FFF2-40B4-BE49-F238E27FC236}">
-                <a16:creationId xmlns:a16="http://schemas.microsoft.com/office/drawing/2014/main" id="{9022E32B-7D68-F855-1A38-7E2F3729EEBF}"/>
-              </a:ext>
-            </a:extLst>
-          </p:cNvPr>
-          <p:cNvPicPr>
-            <a:picLocks noChangeAspect="1"/>
-          </p:cNvPicPr>
+              <a:t>UTV Snow Blower</a:t>
+            </a:r>
+          </a:p>
+          <a:p>
+            <a:r>
+              <a:rPr lang="en-US" sz="2000" b="1" dirty="0"/>
+              <a:t>Our XUV590M is 56.5" wide</a:t>
+            </a:r>
+          </a:p>
+          <a:p>
+            <a:endParaRPr lang="en-US" sz="2000" b="1" dirty="0"/>
+          </a:p>
+        </p:txBody>
+      </p:sp>
+      <p:sp>
+        <p:nvSpPr>
+          <p:cNvPr id="3" name="TextBox 2">
+            <a:extLst>
+              <a:ext uri="{FF2B5EF4-FFF2-40B4-BE49-F238E27FC236}">
+                <a16:creationId xmlns:a16="http://schemas.microsoft.com/office/drawing/2014/main" id="{6F07CB0B-F1C1-1A54-C7D9-077761FEBD33}"/>
+              </a:ext>
+            </a:extLst>
+          </p:cNvPr>
+          <p:cNvSpPr txBox="1"/>
           <p:nvPr/>
-        </p:nvPicPr>
-        <p:blipFill>
-          <a:blip r:embed="rId2" cstate="email">
-            <a:extLst>
-              <a:ext uri="{28A0092B-C50C-407E-A947-70E740481C1C}">
-                <a14:useLocalDpi xmlns:a14="http://schemas.microsoft.com/office/drawing/2010/main"/>
-              </a:ext>
-            </a:extLst>
-          </a:blip>
-          <a:stretch>
-            <a:fillRect/>
-          </a:stretch>
-        </p:blipFill>
+        </p:nvSpPr>
         <p:spPr>
           <a:xfrm>
-            <a:off x="5397068" y="2345667"/>
-            <a:ext cx="1527491" cy="2370667"/>
+            <a:off x="143219" y="1213966"/>
+            <a:ext cx="3110344" cy="1785104"/>
           </a:xfrm>
           <a:prstGeom prst="rect">
             <a:avLst/>
           </a:prstGeom>
-        </p:spPr>
-      </p:pic>
+          <a:noFill/>
+          <a:ln>
+            <a:solidFill>
+              <a:srgbClr val="FF0000"/>
+            </a:solidFill>
+          </a:ln>
+        </p:spPr>
+        <p:txBody>
+          <a:bodyPr wrap="square" rtlCol="0">
+            <a:spAutoFit/>
+          </a:bodyPr>
+          <a:lstStyle/>
+          <a:p>
+            <a:r>
+              <a:rPr lang="en-US" dirty="0"/>
+              <a:t>Rammy 155 UTV PRO </a:t>
+            </a:r>
+            <a:br>
+              <a:rPr lang="en-US" sz="2000" dirty="0"/>
+            </a:br>
+            <a:r>
+              <a:rPr lang="en-US" sz="2000" dirty="0"/>
+              <a:t>$6,400</a:t>
+            </a:r>
+          </a:p>
+          <a:p>
+            <a:r>
+              <a:rPr lang="en-US" dirty="0"/>
+              <a:t>61" width (155 cm)</a:t>
+            </a:r>
+          </a:p>
+          <a:p>
+            <a:r>
+              <a:rPr lang="en-US" dirty="0"/>
+              <a:t>420cc Briggs &amp; </a:t>
+            </a:r>
+            <a:r>
+              <a:rPr lang="en-US" dirty="0">
+                <a:ln>
+                  <a:solidFill>
+                    <a:srgbClr val="FF0000"/>
+                  </a:solidFill>
+                </a:ln>
+              </a:rPr>
+              <a:t>Stratton</a:t>
+            </a:r>
+            <a:br>
+              <a:rPr lang="en-US" sz="2000" dirty="0"/>
+            </a:br>
+            <a:r>
+              <a:rPr lang="en-US" dirty="0">
+                <a:hlinkClick r:id="rId2"/>
+              </a:rPr>
+              <a:t>https://rammy.fi/en/rammy-snowblower-155-utv-pro-3/</a:t>
+            </a:r>
+            <a:endParaRPr lang="en-US" dirty="0"/>
+          </a:p>
+        </p:txBody>
+      </p:sp>
       <p:pic>
         <p:nvPicPr>
-          <p:cNvPr id="8" name="Picture 2">
-            <a:extLst>
-              <a:ext uri="{FF2B5EF4-FFF2-40B4-BE49-F238E27FC236}">
-                <a16:creationId xmlns:a16="http://schemas.microsoft.com/office/drawing/2014/main" id="{5A8E555F-3F1A-D54E-8CDE-37B695274C79}"/>
+          <p:cNvPr id="1026" name="Picture 2">
+            <a:extLst>
+              <a:ext uri="{FF2B5EF4-FFF2-40B4-BE49-F238E27FC236}">
+                <a16:creationId xmlns:a16="http://schemas.microsoft.com/office/drawing/2014/main" id="{EBFB43DF-49FE-58F1-610B-E4A910C2F884}"/>
               </a:ext>
             </a:extLst>
           </p:cNvPr>
@@ -6094,13 +6040,18 @@
         </p:blipFill>
         <p:spPr bwMode="auto">
           <a:xfrm>
-            <a:off x="7378700" y="2731455"/>
-            <a:ext cx="1882712" cy="2183558"/>
+            <a:off x="3508744" y="426190"/>
+            <a:ext cx="3514382" cy="2342921"/>
           </a:xfrm>
           <a:prstGeom prst="rect">
             <a:avLst/>
           </a:prstGeom>
           <a:noFill/>
+          <a:ln>
+            <a:solidFill>
+              <a:srgbClr val="FF0000"/>
+            </a:solidFill>
+          </a:ln>
           <a:extLst>
             <a:ext uri="{909E8E84-426E-40DD-AFC4-6F175D3DCCD1}">
               <a14:hiddenFill xmlns:a14="http://schemas.microsoft.com/office/drawing/2010/main">
@@ -6112,251 +6063,32 @@
           </a:extLst>
         </p:spPr>
       </p:pic>
-      <p:pic>
-        <p:nvPicPr>
-          <p:cNvPr id="1028" name="Picture 4">
-            <a:extLst>
-              <a:ext uri="{FF2B5EF4-FFF2-40B4-BE49-F238E27FC236}">
-                <a16:creationId xmlns:a16="http://schemas.microsoft.com/office/drawing/2014/main" id="{20FE7A0D-E597-5D1F-41D6-3848CFB218D2}"/>
-              </a:ext>
-            </a:extLst>
-          </p:cNvPr>
-          <p:cNvPicPr>
-            <a:picLocks noChangeAspect="1" noChangeArrowheads="1"/>
-          </p:cNvPicPr>
+      <p:sp>
+        <p:nvSpPr>
+          <p:cNvPr id="6" name="TextBox 5">
+            <a:extLst>
+              <a:ext uri="{FF2B5EF4-FFF2-40B4-BE49-F238E27FC236}">
+                <a16:creationId xmlns:a16="http://schemas.microsoft.com/office/drawing/2014/main" id="{F1DF7E30-C9D8-42C9-3C68-C919667FA0BC}"/>
+              </a:ext>
+            </a:extLst>
+          </p:cNvPr>
+          <p:cNvSpPr txBox="1"/>
           <p:nvPr/>
-        </p:nvPicPr>
-        <p:blipFill>
-          <a:blip r:embed="rId4" cstate="email">
-            <a:extLst>
-              <a:ext uri="{28A0092B-C50C-407E-A947-70E740481C1C}">
-                <a14:useLocalDpi xmlns:a14="http://schemas.microsoft.com/office/drawing/2010/main"/>
-              </a:ext>
-            </a:extLst>
-          </a:blip>
-          <a:srcRect/>
-          <a:stretch>
-            <a:fillRect/>
-          </a:stretch>
-        </p:blipFill>
-        <p:spPr bwMode="auto">
-          <a:xfrm flipH="1">
-            <a:off x="3957735" y="2930134"/>
-            <a:ext cx="1139198" cy="1786200"/>
+        </p:nvSpPr>
+        <p:spPr>
+          <a:xfrm>
+            <a:off x="5265935" y="3429000"/>
+            <a:ext cx="6581057" cy="3170099"/>
           </a:xfrm>
           <a:prstGeom prst="rect">
             <a:avLst/>
           </a:prstGeom>
           <a:noFill/>
-          <a:extLst>
-            <a:ext uri="{909E8E84-426E-40DD-AFC4-6F175D3DCCD1}">
-              <a14:hiddenFill xmlns:a14="http://schemas.microsoft.com/office/drawing/2010/main">
-                <a:solidFill>
-                  <a:srgbClr val="FFFFFF"/>
-                </a:solidFill>
-              </a14:hiddenFill>
-            </a:ext>
-          </a:extLst>
-        </p:spPr>
-      </p:pic>
-      <p:pic>
-        <p:nvPicPr>
-          <p:cNvPr id="1030" name="Picture 6" descr="Am Maverick Sport X RC MC Snow Plow Kit ...">
-            <a:extLst>
-              <a:ext uri="{FF2B5EF4-FFF2-40B4-BE49-F238E27FC236}">
-                <a16:creationId xmlns:a16="http://schemas.microsoft.com/office/drawing/2014/main" id="{1F0BD7B1-B691-FDBC-FEB6-2FFFA946D610}"/>
-              </a:ext>
-            </a:extLst>
-          </p:cNvPr>
-          <p:cNvPicPr>
-            <a:picLocks noChangeAspect="1" noChangeArrowheads="1"/>
-          </p:cNvPicPr>
-          <p:nvPr/>
-        </p:nvPicPr>
-        <p:blipFill>
-          <a:blip r:embed="rId5">
-            <a:extLst>
-              <a:ext uri="{28A0092B-C50C-407E-A947-70E740481C1C}">
-                <a14:useLocalDpi xmlns:a14="http://schemas.microsoft.com/office/drawing/2010/main"/>
-              </a:ext>
-            </a:extLst>
-          </a:blip>
-          <a:srcRect/>
-          <a:stretch>
-            <a:fillRect/>
-          </a:stretch>
-        </p:blipFill>
-        <p:spPr bwMode="auto">
-          <a:xfrm>
-            <a:off x="3657600" y="233011"/>
-            <a:ext cx="3721100" cy="2184400"/>
-          </a:xfrm>
-          <a:prstGeom prst="rect">
-            <a:avLst/>
-          </a:prstGeom>
-          <a:noFill/>
-          <a:extLst>
-            <a:ext uri="{909E8E84-426E-40DD-AFC4-6F175D3DCCD1}">
-              <a14:hiddenFill xmlns:a14="http://schemas.microsoft.com/office/drawing/2010/main">
-                <a:solidFill>
-                  <a:srgbClr val="FFFFFF"/>
-                </a:solidFill>
-              </a14:hiddenFill>
-            </a:ext>
-          </a:extLst>
-        </p:spPr>
-      </p:pic>
-      <p:pic>
-        <p:nvPicPr>
-          <p:cNvPr id="1033" name="Picture 9" descr="Plow Foot Bracket by Kfi Products Witchdoctors">
-            <a:extLst>
-              <a:ext uri="{FF2B5EF4-FFF2-40B4-BE49-F238E27FC236}">
-                <a16:creationId xmlns:a16="http://schemas.microsoft.com/office/drawing/2014/main" id="{CC4CE11A-74DF-F297-0100-70175115807D}"/>
-              </a:ext>
-            </a:extLst>
-          </p:cNvPr>
-          <p:cNvPicPr>
-            <a:picLocks noChangeAspect="1" noChangeArrowheads="1"/>
-          </p:cNvPicPr>
-          <p:nvPr/>
-        </p:nvPicPr>
-        <p:blipFill rotWithShape="1">
-          <a:blip r:embed="rId6" cstate="email">
-            <a:extLst>
-              <a:ext uri="{28A0092B-C50C-407E-A947-70E740481C1C}">
-                <a14:useLocalDpi xmlns:a14="http://schemas.microsoft.com/office/drawing/2010/main"/>
-              </a:ext>
-            </a:extLst>
-          </a:blip>
-          <a:srcRect l="-2472"/>
-          <a:stretch>
-            <a:fillRect/>
-          </a:stretch>
-        </p:blipFill>
-        <p:spPr bwMode="auto">
-          <a:xfrm>
-            <a:off x="3929590" y="4915013"/>
-            <a:ext cx="1772410" cy="1065373"/>
-          </a:xfrm>
-          <a:prstGeom prst="rect">
-            <a:avLst/>
-          </a:prstGeom>
-          <a:noFill/>
-          <a:extLst>
-            <a:ext uri="{909E8E84-426E-40DD-AFC4-6F175D3DCCD1}">
-              <a14:hiddenFill xmlns:a14="http://schemas.microsoft.com/office/drawing/2010/main">
-                <a:solidFill>
-                  <a:srgbClr val="FFFFFF"/>
-                </a:solidFill>
-              </a14:hiddenFill>
-            </a:ext>
-          </a:extLst>
-        </p:spPr>
-      </p:pic>
-      <p:pic>
-        <p:nvPicPr>
-          <p:cNvPr id="1035" name="Picture 11" descr="New KFI ATV Snow Plow Single Foot Replacement Kit, Skid Shoe for KFI Snow Blades - Picture 2 of 6">
-            <a:extLst>
-              <a:ext uri="{FF2B5EF4-FFF2-40B4-BE49-F238E27FC236}">
-                <a16:creationId xmlns:a16="http://schemas.microsoft.com/office/drawing/2014/main" id="{23059639-D06A-EB90-A974-62AC9045C9E6}"/>
-              </a:ext>
-            </a:extLst>
-          </p:cNvPr>
-          <p:cNvPicPr>
-            <a:picLocks noChangeAspect="1" noChangeArrowheads="1"/>
-          </p:cNvPicPr>
-          <p:nvPr/>
-        </p:nvPicPr>
-        <p:blipFill>
-          <a:blip r:embed="rId7" cstate="email">
-            <a:extLst>
-              <a:ext uri="{28A0092B-C50C-407E-A947-70E740481C1C}">
-                <a14:useLocalDpi xmlns:a14="http://schemas.microsoft.com/office/drawing/2010/main"/>
-              </a:ext>
-            </a:extLst>
-          </a:blip>
-          <a:srcRect/>
-          <a:stretch>
-            <a:fillRect/>
-          </a:stretch>
-        </p:blipFill>
-        <p:spPr bwMode="auto">
-          <a:xfrm>
-            <a:off x="8229598" y="198303"/>
-            <a:ext cx="2328917" cy="1839844"/>
-          </a:xfrm>
-          <a:prstGeom prst="rect">
-            <a:avLst/>
-          </a:prstGeom>
-          <a:noFill/>
-          <a:extLst>
-            <a:ext uri="{909E8E84-426E-40DD-AFC4-6F175D3DCCD1}">
-              <a14:hiddenFill xmlns:a14="http://schemas.microsoft.com/office/drawing/2010/main">
-                <a:solidFill>
-                  <a:srgbClr val="FFFFFF"/>
-                </a:solidFill>
-              </a14:hiddenFill>
-            </a:ext>
-          </a:extLst>
-        </p:spPr>
-      </p:pic>
-      <p:pic>
-        <p:nvPicPr>
-          <p:cNvPr id="10" name="Picture 9">
-            <a:extLst>
-              <a:ext uri="{FF2B5EF4-FFF2-40B4-BE49-F238E27FC236}">
-                <a16:creationId xmlns:a16="http://schemas.microsoft.com/office/drawing/2014/main" id="{678CCA06-DABB-529D-1A6F-3380626DB8A7}"/>
-              </a:ext>
-            </a:extLst>
-          </p:cNvPr>
-          <p:cNvPicPr>
-            <a:picLocks noChangeAspect="1"/>
-          </p:cNvPicPr>
-          <p:nvPr/>
-        </p:nvPicPr>
-        <p:blipFill>
-          <a:blip r:embed="rId8" cstate="email">
-            <a:extLst>
-              <a:ext uri="{28A0092B-C50C-407E-A947-70E740481C1C}">
-                <a14:useLocalDpi xmlns:a14="http://schemas.microsoft.com/office/drawing/2010/main"/>
-              </a:ext>
-            </a:extLst>
-          </a:blip>
-          <a:stretch>
-            <a:fillRect/>
-          </a:stretch>
-        </p:blipFill>
-        <p:spPr>
-          <a:xfrm>
-            <a:off x="2105846" y="4014469"/>
-            <a:ext cx="1714500" cy="787400"/>
-          </a:xfrm>
-          <a:prstGeom prst="rect">
-            <a:avLst/>
-          </a:prstGeom>
-        </p:spPr>
-      </p:pic>
-      <p:sp>
-        <p:nvSpPr>
-          <p:cNvPr id="15" name="TextBox 14">
-            <a:extLst>
-              <a:ext uri="{FF2B5EF4-FFF2-40B4-BE49-F238E27FC236}">
-                <a16:creationId xmlns:a16="http://schemas.microsoft.com/office/drawing/2014/main" id="{503C04FB-68AE-D8F6-03E5-0D9A2BADFBD1}"/>
-              </a:ext>
-            </a:extLst>
-          </p:cNvPr>
-          <p:cNvSpPr txBox="1"/>
-          <p:nvPr/>
-        </p:nvSpPr>
-        <p:spPr>
-          <a:xfrm>
-            <a:off x="143219" y="3885337"/>
-            <a:ext cx="1962627" cy="1754326"/>
-          </a:xfrm>
-          <a:prstGeom prst="rect">
-            <a:avLst/>
-          </a:prstGeom>
-          <a:noFill/>
+          <a:ln>
+            <a:solidFill>
+              <a:srgbClr val="FF0000"/>
+            </a:solidFill>
+          </a:ln>
         </p:spPr>
         <p:txBody>
           <a:bodyPr wrap="square" rtlCol="0">
@@ -6364,137 +6096,79 @@
           </a:bodyPr>
           <a:lstStyle/>
           <a:p>
-            <a:pPr marL="171450" indent="-171450">
-              <a:buFont typeface="Arial" panose="020B0604020202020204" pitchFamily="34" charset="0"/>
-              <a:buChar char="•"/>
-            </a:pPr>
-            <a:r>
-              <a:rPr lang="en-US" sz="1200" dirty="0"/>
-              <a:t>Spring Locking Cotter Pin </a:t>
-            </a:r>
-          </a:p>
-          <a:p>
-            <a:pPr marL="171450" indent="-171450">
-              <a:buFont typeface="Arial" panose="020B0604020202020204" pitchFamily="34" charset="0"/>
-              <a:buChar char="•"/>
-            </a:pPr>
-            <a:r>
-              <a:rPr lang="en-US" sz="1200" dirty="0"/>
-              <a:t>ring cotter pin </a:t>
-            </a:r>
-          </a:p>
-          <a:p>
-            <a:pPr marL="171450" indent="-171450">
-              <a:buFont typeface="Arial" panose="020B0604020202020204" pitchFamily="34" charset="0"/>
-              <a:buChar char="•"/>
-            </a:pPr>
-            <a:r>
-              <a:rPr lang="en-US" sz="1200" dirty="0"/>
-              <a:t>clevis pin with a rue ring locking cotter pin</a:t>
-            </a:r>
-          </a:p>
-          <a:p>
-            <a:pPr marL="171450" indent="-171450">
-              <a:buFont typeface="Arial" panose="020B0604020202020204" pitchFamily="34" charset="0"/>
-              <a:buChar char="•"/>
-            </a:pPr>
-            <a:r>
-              <a:rPr lang="en-US" sz="1200" dirty="0"/>
-              <a:t>hairpin cotter pin</a:t>
-            </a:r>
-          </a:p>
-          <a:p>
-            <a:pPr marL="171450" indent="-171450">
-              <a:buFont typeface="Arial" panose="020B0604020202020204" pitchFamily="34" charset="0"/>
-              <a:buChar char="•"/>
-            </a:pPr>
-            <a:r>
-              <a:rPr lang="en-US" sz="1200" dirty="0"/>
-              <a:t>hairpin clip</a:t>
-            </a:r>
-          </a:p>
-          <a:p>
-            <a:pPr marL="171450" indent="-171450">
-              <a:buFont typeface="Arial" panose="020B0604020202020204" pitchFamily="34" charset="0"/>
-              <a:buChar char="•"/>
-            </a:pPr>
-            <a:r>
-              <a:rPr lang="en-US" sz="1200" dirty="0"/>
-              <a:t>R-clip</a:t>
-            </a:r>
-          </a:p>
-          <a:p>
-            <a:pPr marL="171450" indent="-171450">
-              <a:buFont typeface="Arial" panose="020B0604020202020204" pitchFamily="34" charset="0"/>
-              <a:buChar char="•"/>
-            </a:pPr>
-            <a:r>
-              <a:rPr lang="en-US" sz="1200" dirty="0"/>
-              <a:t>https://</a:t>
-            </a:r>
-            <a:r>
-              <a:rPr lang="en-US" sz="1200" dirty="0" err="1"/>
-              <a:t>www.youtube.com</a:t>
-            </a:r>
-            <a:r>
-              <a:rPr lang="en-US" sz="1200" dirty="0"/>
-              <a:t>/</a:t>
-            </a:r>
-            <a:r>
-              <a:rPr lang="en-US" sz="1200" dirty="0" err="1"/>
-              <a:t>watch?v</a:t>
-            </a:r>
-            <a:r>
-              <a:rPr lang="en-US" sz="1200" dirty="0"/>
-              <a:t>=</a:t>
-            </a:r>
-            <a:r>
-              <a:rPr lang="en-US" sz="1200" dirty="0" err="1"/>
-              <a:t>TlP_BgXcdBk</a:t>
-            </a:r>
-            <a:r>
-              <a:rPr lang="en-US" sz="1200" dirty="0"/>
-              <a:t> </a:t>
-            </a:r>
-          </a:p>
-        </p:txBody>
-      </p:sp>
-      <p:pic>
-        <p:nvPicPr>
-          <p:cNvPr id="16" name="Picture 15">
-            <a:extLst>
-              <a:ext uri="{FF2B5EF4-FFF2-40B4-BE49-F238E27FC236}">
-                <a16:creationId xmlns:a16="http://schemas.microsoft.com/office/drawing/2014/main" id="{8F78975A-933F-1DF4-5486-24B7112B0E14}"/>
-              </a:ext>
-            </a:extLst>
-          </p:cNvPr>
-          <p:cNvPicPr>
-            <a:picLocks noChangeAspect="1"/>
-          </p:cNvPicPr>
-          <p:nvPr/>
-        </p:nvPicPr>
-        <p:blipFill>
-          <a:blip r:embed="rId9" cstate="email">
-            <a:extLst>
-              <a:ext uri="{28A0092B-C50C-407E-A947-70E740481C1C}">
-                <a14:useLocalDpi xmlns:a14="http://schemas.microsoft.com/office/drawing/2010/main"/>
-              </a:ext>
-            </a:extLst>
-          </a:blip>
-          <a:stretch>
-            <a:fillRect/>
-          </a:stretch>
-        </p:blipFill>
-        <p:spPr>
-          <a:xfrm>
-            <a:off x="8320056" y="5229056"/>
-            <a:ext cx="1296910" cy="1439927"/>
-          </a:xfrm>
-          <a:prstGeom prst="rect">
-            <a:avLst/>
-          </a:prstGeom>
-        </p:spPr>
-      </p:pic>
+            <a:r>
+              <a:rPr lang="en-US" sz="2000" dirty="0" err="1"/>
+              <a:t>Bercomac</a:t>
+            </a:r>
+            <a:r>
+              <a:rPr lang="en-US" sz="2000" dirty="0"/>
+              <a:t> Versatile Plus 54" (20HP Honda engine)</a:t>
+            </a:r>
+          </a:p>
+          <a:p>
+            <a:r>
+              <a:rPr lang="en-US" sz="2000" dirty="0"/>
+              <a:t>    $7K</a:t>
+            </a:r>
+          </a:p>
+          <a:p>
+            <a:r>
+              <a:rPr lang="en-US" sz="2000" dirty="0" err="1"/>
+              <a:t>Bercomac</a:t>
+            </a:r>
+            <a:r>
+              <a:rPr lang="en-US" sz="2000" dirty="0"/>
+              <a:t> Premium 54" (22-24HP Honda engine)</a:t>
+            </a:r>
+          </a:p>
+          <a:p>
+            <a:r>
+              <a:rPr lang="en-US" sz="2000" dirty="0"/>
+              <a:t>    $8,500</a:t>
+            </a:r>
+          </a:p>
+          <a:p>
+            <a:r>
+              <a:rPr lang="en-US" sz="2000" dirty="0"/>
+              <a:t>Rammy 155 UTV PRO (61"/155cm, 420cc Briggs &amp; Stratton)</a:t>
+            </a:r>
+          </a:p>
+          <a:p>
+            <a:r>
+              <a:rPr lang="en-US" sz="2000" dirty="0"/>
+              <a:t>    $6,400</a:t>
+            </a:r>
+          </a:p>
+          <a:p>
+            <a:r>
+              <a:rPr lang="en-US" sz="2000" dirty="0"/>
+              <a:t>Erskine 60" (SB300 Hydraulic model)</a:t>
+            </a:r>
+          </a:p>
+          <a:p>
+            <a:r>
+              <a:rPr lang="en-US" sz="2000" dirty="0"/>
+              <a:t>    The 78" hydraulic version is $8,500</a:t>
+            </a:r>
+          </a:p>
+          <a:p>
+            <a:r>
+              <a:rPr lang="en-US" sz="2000" dirty="0" err="1"/>
+              <a:t>Bercomac</a:t>
+            </a:r>
+            <a:r>
+              <a:rPr lang="en-US" sz="2000" dirty="0"/>
+              <a:t> Vantage 66"</a:t>
+            </a:r>
+          </a:p>
+          <a:p>
+            <a:r>
+              <a:rPr lang="en-US" sz="2000" dirty="0"/>
+              <a:t>    $8,500</a:t>
+            </a:r>
+          </a:p>
+        </p:txBody>
+      </p:sp>
     </p:spTree>
     <p:extLst>
       <p:ext uri="{BB962C8B-B14F-4D97-AF65-F5344CB8AC3E}">
@@ -6513,6 +6187,650 @@
   <p:cSld>
     <p:spTree>
       <p:nvGrpSpPr>
+        <p:cNvPr id="1" name="">
+          <a:extLst>
+            <a:ext uri="{FF2B5EF4-FFF2-40B4-BE49-F238E27FC236}">
+              <a16:creationId xmlns:a16="http://schemas.microsoft.com/office/drawing/2014/main" id="{862E7715-02AD-2BF2-57F2-87946916FDBB}"/>
+            </a:ext>
+          </a:extLst>
+        </p:cNvPr>
+        <p:cNvGrpSpPr/>
+        <p:nvPr/>
+      </p:nvGrpSpPr>
+      <p:grpSpPr>
+        <a:xfrm>
+          <a:off x="0" y="0"/>
+          <a:ext cx="0" cy="0"/>
+          <a:chOff x="0" y="0"/>
+          <a:chExt cx="0" cy="0"/>
+        </a:xfrm>
+      </p:grpSpPr>
+      <p:sp>
+        <p:nvSpPr>
+          <p:cNvPr id="2" name="TextBox 1">
+            <a:extLst>
+              <a:ext uri="{FF2B5EF4-FFF2-40B4-BE49-F238E27FC236}">
+                <a16:creationId xmlns:a16="http://schemas.microsoft.com/office/drawing/2014/main" id="{F3D892CB-7927-59CC-01DA-D27873B98074}"/>
+              </a:ext>
+            </a:extLst>
+          </p:cNvPr>
+          <p:cNvSpPr txBox="1"/>
+          <p:nvPr/>
+        </p:nvSpPr>
+        <p:spPr>
+          <a:xfrm>
+            <a:off x="143219" y="198303"/>
+            <a:ext cx="3514381" cy="3354765"/>
+          </a:xfrm>
+          <a:prstGeom prst="rect">
+            <a:avLst/>
+          </a:prstGeom>
+          <a:noFill/>
+        </p:spPr>
+        <p:txBody>
+          <a:bodyPr wrap="square" rtlCol="0">
+            <a:spAutoFit/>
+          </a:bodyPr>
+          <a:lstStyle/>
+          <a:p>
+            <a:r>
+              <a:rPr lang="en-US" sz="2000" b="1" dirty="0"/>
+              <a:t>72-inch "KFI Plow" Snow Blade </a:t>
+            </a:r>
+          </a:p>
+          <a:p>
+            <a:endParaRPr lang="en-US" sz="1200" dirty="0"/>
+          </a:p>
+          <a:p>
+            <a:r>
+              <a:rPr lang="en-US" sz="1200" dirty="0"/>
+              <a:t>standard plow shoes (skid feet)</a:t>
+            </a:r>
+          </a:p>
+          <a:p>
+            <a:r>
+              <a:rPr lang="en-US" sz="1200" dirty="0"/>
+              <a:t>part # </a:t>
+            </a:r>
+            <a:r>
+              <a:rPr lang="en-US" sz="1200" dirty="0" err="1"/>
+              <a:t>kfi</a:t>
+            </a:r>
+            <a:r>
+              <a:rPr lang="en-US" sz="1200" dirty="0"/>
+              <a:t> 105490:</a:t>
+            </a:r>
+          </a:p>
+          <a:p>
+            <a:r>
+              <a:rPr lang="en-US" sz="1200" b="1" dirty="0">
+                <a:solidFill>
+                  <a:srgbClr val="FF0000"/>
+                </a:solidFill>
+              </a:rPr>
+              <a:t>Shoe (Base) Diameter - 3.5 inches</a:t>
+            </a:r>
+          </a:p>
+          <a:p>
+            <a:r>
+              <a:rPr lang="en-US" sz="1200" dirty="0"/>
+              <a:t>Shaft Diameter - 0.63 inches (approx. 5/8")</a:t>
+            </a:r>
+          </a:p>
+          <a:p>
+            <a:r>
+              <a:rPr lang="en-US" sz="1200" dirty="0"/>
+              <a:t>Pad Thickness   0.5 inches (1/2" Grade 50 Steel)</a:t>
+            </a:r>
+          </a:p>
+          <a:p>
+            <a:r>
+              <a:rPr lang="en-US" sz="1200" dirty="0"/>
+              <a:t>Total Bolt Length   6.5 inches</a:t>
+            </a:r>
+          </a:p>
+          <a:p>
+            <a:endParaRPr lang="en-US" sz="1200" dirty="0"/>
+          </a:p>
+          <a:p>
+            <a:r>
+              <a:rPr lang="en-US" sz="1200" dirty="0"/>
+              <a:t>KFI Plow Foot Bracket 105006-R</a:t>
+            </a:r>
+          </a:p>
+          <a:p>
+            <a:r>
+              <a:rPr lang="en-US" sz="1200" dirty="0"/>
+              <a:t>Attached to the blade with two 3/8"-16 x 1.00" carriage bolts and two nuts.</a:t>
+            </a:r>
+          </a:p>
+          <a:p>
+            <a:r>
+              <a:rPr lang="en-US" sz="1200" dirty="0"/>
+              <a:t>The distance between bolts 1.75 inches center-to-center</a:t>
+            </a:r>
+          </a:p>
+          <a:p>
+            <a:endParaRPr lang="en-US" sz="1200" dirty="0"/>
+          </a:p>
+          <a:p>
+            <a:r>
+              <a:rPr lang="en-US" sz="1200" dirty="0" err="1"/>
+              <a:t>Insalation</a:t>
+            </a:r>
+            <a:r>
+              <a:rPr lang="en-US" sz="1200" dirty="0"/>
+              <a:t>: </a:t>
+            </a:r>
+          </a:p>
+          <a:p>
+            <a:r>
+              <a:rPr lang="en-US" sz="1200" dirty="0"/>
+              <a:t>https://</a:t>
+            </a:r>
+            <a:r>
+              <a:rPr lang="en-US" sz="1200" dirty="0" err="1"/>
+              <a:t>www.youtube.com</a:t>
+            </a:r>
+            <a:r>
+              <a:rPr lang="en-US" sz="1200" dirty="0"/>
+              <a:t>/</a:t>
+            </a:r>
+            <a:r>
+              <a:rPr lang="en-US" sz="1200" dirty="0" err="1"/>
+              <a:t>watch?v</a:t>
+            </a:r>
+            <a:r>
+              <a:rPr lang="en-US" sz="1200" dirty="0"/>
+              <a:t>=jcAqaNDId9k </a:t>
+            </a:r>
+          </a:p>
+        </p:txBody>
+      </p:sp>
+      <p:pic>
+        <p:nvPicPr>
+          <p:cNvPr id="5" name="Picture 4">
+            <a:extLst>
+              <a:ext uri="{FF2B5EF4-FFF2-40B4-BE49-F238E27FC236}">
+                <a16:creationId xmlns:a16="http://schemas.microsoft.com/office/drawing/2014/main" id="{231B3C79-FA91-C923-FE87-66DF5C6D049A}"/>
+              </a:ext>
+            </a:extLst>
+          </p:cNvPr>
+          <p:cNvPicPr>
+            <a:picLocks noChangeAspect="1"/>
+          </p:cNvPicPr>
+          <p:nvPr/>
+        </p:nvPicPr>
+        <p:blipFill>
+          <a:blip r:embed="rId2" cstate="email">
+            <a:extLst>
+              <a:ext uri="{28A0092B-C50C-407E-A947-70E740481C1C}">
+                <a14:useLocalDpi xmlns:a14="http://schemas.microsoft.com/office/drawing/2010/main"/>
+              </a:ext>
+            </a:extLst>
+          </a:blip>
+          <a:stretch>
+            <a:fillRect/>
+          </a:stretch>
+        </p:blipFill>
+        <p:spPr>
+          <a:xfrm>
+            <a:off x="5397068" y="2345667"/>
+            <a:ext cx="1527491" cy="2370667"/>
+          </a:xfrm>
+          <a:prstGeom prst="rect">
+            <a:avLst/>
+          </a:prstGeom>
+        </p:spPr>
+      </p:pic>
+      <p:pic>
+        <p:nvPicPr>
+          <p:cNvPr id="8" name="Picture 2">
+            <a:extLst>
+              <a:ext uri="{FF2B5EF4-FFF2-40B4-BE49-F238E27FC236}">
+                <a16:creationId xmlns:a16="http://schemas.microsoft.com/office/drawing/2014/main" id="{16A62944-E1DE-353F-B407-DDC9A345E22A}"/>
+              </a:ext>
+            </a:extLst>
+          </p:cNvPr>
+          <p:cNvPicPr>
+            <a:picLocks noChangeAspect="1" noChangeArrowheads="1"/>
+          </p:cNvPicPr>
+          <p:nvPr/>
+        </p:nvPicPr>
+        <p:blipFill>
+          <a:blip r:embed="rId3" cstate="email">
+            <a:extLst>
+              <a:ext uri="{28A0092B-C50C-407E-A947-70E740481C1C}">
+                <a14:useLocalDpi xmlns:a14="http://schemas.microsoft.com/office/drawing/2010/main"/>
+              </a:ext>
+            </a:extLst>
+          </a:blip>
+          <a:srcRect/>
+          <a:stretch>
+            <a:fillRect/>
+          </a:stretch>
+        </p:blipFill>
+        <p:spPr bwMode="auto">
+          <a:xfrm>
+            <a:off x="7378700" y="2731455"/>
+            <a:ext cx="1882712" cy="2183558"/>
+          </a:xfrm>
+          <a:prstGeom prst="rect">
+            <a:avLst/>
+          </a:prstGeom>
+          <a:noFill/>
+          <a:extLst>
+            <a:ext uri="{909E8E84-426E-40DD-AFC4-6F175D3DCCD1}">
+              <a14:hiddenFill xmlns:a14="http://schemas.microsoft.com/office/drawing/2010/main">
+                <a:solidFill>
+                  <a:srgbClr val="FFFFFF"/>
+                </a:solidFill>
+              </a14:hiddenFill>
+            </a:ext>
+          </a:extLst>
+        </p:spPr>
+      </p:pic>
+      <p:pic>
+        <p:nvPicPr>
+          <p:cNvPr id="1028" name="Picture 4">
+            <a:extLst>
+              <a:ext uri="{FF2B5EF4-FFF2-40B4-BE49-F238E27FC236}">
+                <a16:creationId xmlns:a16="http://schemas.microsoft.com/office/drawing/2014/main" id="{9C7BD3E4-3908-F793-2263-CD32EC708F39}"/>
+              </a:ext>
+            </a:extLst>
+          </p:cNvPr>
+          <p:cNvPicPr>
+            <a:picLocks noChangeAspect="1" noChangeArrowheads="1"/>
+          </p:cNvPicPr>
+          <p:nvPr/>
+        </p:nvPicPr>
+        <p:blipFill>
+          <a:blip r:embed="rId4" cstate="email">
+            <a:extLst>
+              <a:ext uri="{28A0092B-C50C-407E-A947-70E740481C1C}">
+                <a14:useLocalDpi xmlns:a14="http://schemas.microsoft.com/office/drawing/2010/main"/>
+              </a:ext>
+            </a:extLst>
+          </a:blip>
+          <a:srcRect/>
+          <a:stretch>
+            <a:fillRect/>
+          </a:stretch>
+        </p:blipFill>
+        <p:spPr bwMode="auto">
+          <a:xfrm flipH="1">
+            <a:off x="3957735" y="2930134"/>
+            <a:ext cx="1139198" cy="1786200"/>
+          </a:xfrm>
+          <a:prstGeom prst="rect">
+            <a:avLst/>
+          </a:prstGeom>
+          <a:noFill/>
+          <a:extLst>
+            <a:ext uri="{909E8E84-426E-40DD-AFC4-6F175D3DCCD1}">
+              <a14:hiddenFill xmlns:a14="http://schemas.microsoft.com/office/drawing/2010/main">
+                <a:solidFill>
+                  <a:srgbClr val="FFFFFF"/>
+                </a:solidFill>
+              </a14:hiddenFill>
+            </a:ext>
+          </a:extLst>
+        </p:spPr>
+      </p:pic>
+      <p:pic>
+        <p:nvPicPr>
+          <p:cNvPr id="1030" name="Picture 6" descr="Am Maverick Sport X RC MC Snow Plow Kit ...">
+            <a:extLst>
+              <a:ext uri="{FF2B5EF4-FFF2-40B4-BE49-F238E27FC236}">
+                <a16:creationId xmlns:a16="http://schemas.microsoft.com/office/drawing/2014/main" id="{B61F1530-92D8-0518-E869-D9328D19FDD4}"/>
+              </a:ext>
+            </a:extLst>
+          </p:cNvPr>
+          <p:cNvPicPr>
+            <a:picLocks noChangeAspect="1" noChangeArrowheads="1"/>
+          </p:cNvPicPr>
+          <p:nvPr/>
+        </p:nvPicPr>
+        <p:blipFill>
+          <a:blip r:embed="rId5">
+            <a:extLst>
+              <a:ext uri="{28A0092B-C50C-407E-A947-70E740481C1C}">
+                <a14:useLocalDpi xmlns:a14="http://schemas.microsoft.com/office/drawing/2010/main"/>
+              </a:ext>
+            </a:extLst>
+          </a:blip>
+          <a:srcRect/>
+          <a:stretch>
+            <a:fillRect/>
+          </a:stretch>
+        </p:blipFill>
+        <p:spPr bwMode="auto">
+          <a:xfrm>
+            <a:off x="3657600" y="233011"/>
+            <a:ext cx="3721100" cy="2184400"/>
+          </a:xfrm>
+          <a:prstGeom prst="rect">
+            <a:avLst/>
+          </a:prstGeom>
+          <a:noFill/>
+          <a:extLst>
+            <a:ext uri="{909E8E84-426E-40DD-AFC4-6F175D3DCCD1}">
+              <a14:hiddenFill xmlns:a14="http://schemas.microsoft.com/office/drawing/2010/main">
+                <a:solidFill>
+                  <a:srgbClr val="FFFFFF"/>
+                </a:solidFill>
+              </a14:hiddenFill>
+            </a:ext>
+          </a:extLst>
+        </p:spPr>
+      </p:pic>
+      <p:pic>
+        <p:nvPicPr>
+          <p:cNvPr id="1033" name="Picture 9" descr="Plow Foot Bracket by Kfi Products Witchdoctors">
+            <a:extLst>
+              <a:ext uri="{FF2B5EF4-FFF2-40B4-BE49-F238E27FC236}">
+                <a16:creationId xmlns:a16="http://schemas.microsoft.com/office/drawing/2014/main" id="{6E0EC079-8AC0-6603-B519-B6B39637A6EA}"/>
+              </a:ext>
+            </a:extLst>
+          </p:cNvPr>
+          <p:cNvPicPr>
+            <a:picLocks noChangeAspect="1" noChangeArrowheads="1"/>
+          </p:cNvPicPr>
+          <p:nvPr/>
+        </p:nvPicPr>
+        <p:blipFill rotWithShape="1">
+          <a:blip r:embed="rId6" cstate="email">
+            <a:extLst>
+              <a:ext uri="{28A0092B-C50C-407E-A947-70E740481C1C}">
+                <a14:useLocalDpi xmlns:a14="http://schemas.microsoft.com/office/drawing/2010/main"/>
+              </a:ext>
+            </a:extLst>
+          </a:blip>
+          <a:srcRect l="-2472"/>
+          <a:stretch>
+            <a:fillRect/>
+          </a:stretch>
+        </p:blipFill>
+        <p:spPr bwMode="auto">
+          <a:xfrm>
+            <a:off x="3929590" y="4915013"/>
+            <a:ext cx="1772410" cy="1065373"/>
+          </a:xfrm>
+          <a:prstGeom prst="rect">
+            <a:avLst/>
+          </a:prstGeom>
+          <a:noFill/>
+          <a:extLst>
+            <a:ext uri="{909E8E84-426E-40DD-AFC4-6F175D3DCCD1}">
+              <a14:hiddenFill xmlns:a14="http://schemas.microsoft.com/office/drawing/2010/main">
+                <a:solidFill>
+                  <a:srgbClr val="FFFFFF"/>
+                </a:solidFill>
+              </a14:hiddenFill>
+            </a:ext>
+          </a:extLst>
+        </p:spPr>
+      </p:pic>
+      <p:pic>
+        <p:nvPicPr>
+          <p:cNvPr id="1035" name="Picture 11" descr="New KFI ATV Snow Plow Single Foot Replacement Kit, Skid Shoe for KFI Snow Blades - Picture 2 of 6">
+            <a:extLst>
+              <a:ext uri="{FF2B5EF4-FFF2-40B4-BE49-F238E27FC236}">
+                <a16:creationId xmlns:a16="http://schemas.microsoft.com/office/drawing/2014/main" id="{8BFE2132-D283-D4DB-B238-A6344AECFFA9}"/>
+              </a:ext>
+            </a:extLst>
+          </p:cNvPr>
+          <p:cNvPicPr>
+            <a:picLocks noChangeAspect="1" noChangeArrowheads="1"/>
+          </p:cNvPicPr>
+          <p:nvPr/>
+        </p:nvPicPr>
+        <p:blipFill>
+          <a:blip r:embed="rId7" cstate="email">
+            <a:extLst>
+              <a:ext uri="{28A0092B-C50C-407E-A947-70E740481C1C}">
+                <a14:useLocalDpi xmlns:a14="http://schemas.microsoft.com/office/drawing/2010/main"/>
+              </a:ext>
+            </a:extLst>
+          </a:blip>
+          <a:srcRect/>
+          <a:stretch>
+            <a:fillRect/>
+          </a:stretch>
+        </p:blipFill>
+        <p:spPr bwMode="auto">
+          <a:xfrm>
+            <a:off x="8229598" y="198303"/>
+            <a:ext cx="2328917" cy="1839844"/>
+          </a:xfrm>
+          <a:prstGeom prst="rect">
+            <a:avLst/>
+          </a:prstGeom>
+          <a:noFill/>
+          <a:extLst>
+            <a:ext uri="{909E8E84-426E-40DD-AFC4-6F175D3DCCD1}">
+              <a14:hiddenFill xmlns:a14="http://schemas.microsoft.com/office/drawing/2010/main">
+                <a:solidFill>
+                  <a:srgbClr val="FFFFFF"/>
+                </a:solidFill>
+              </a14:hiddenFill>
+            </a:ext>
+          </a:extLst>
+        </p:spPr>
+      </p:pic>
+      <p:pic>
+        <p:nvPicPr>
+          <p:cNvPr id="10" name="Picture 9">
+            <a:extLst>
+              <a:ext uri="{FF2B5EF4-FFF2-40B4-BE49-F238E27FC236}">
+                <a16:creationId xmlns:a16="http://schemas.microsoft.com/office/drawing/2014/main" id="{AB69F292-8D90-D01B-935A-E6F1EEA85DCA}"/>
+              </a:ext>
+            </a:extLst>
+          </p:cNvPr>
+          <p:cNvPicPr>
+            <a:picLocks noChangeAspect="1"/>
+          </p:cNvPicPr>
+          <p:nvPr/>
+        </p:nvPicPr>
+        <p:blipFill>
+          <a:blip r:embed="rId8" cstate="email">
+            <a:extLst>
+              <a:ext uri="{28A0092B-C50C-407E-A947-70E740481C1C}">
+                <a14:useLocalDpi xmlns:a14="http://schemas.microsoft.com/office/drawing/2010/main"/>
+              </a:ext>
+            </a:extLst>
+          </a:blip>
+          <a:stretch>
+            <a:fillRect/>
+          </a:stretch>
+        </p:blipFill>
+        <p:spPr>
+          <a:xfrm>
+            <a:off x="2105846" y="4014469"/>
+            <a:ext cx="1714500" cy="787400"/>
+          </a:xfrm>
+          <a:prstGeom prst="rect">
+            <a:avLst/>
+          </a:prstGeom>
+        </p:spPr>
+      </p:pic>
+      <p:sp>
+        <p:nvSpPr>
+          <p:cNvPr id="15" name="TextBox 14">
+            <a:extLst>
+              <a:ext uri="{FF2B5EF4-FFF2-40B4-BE49-F238E27FC236}">
+                <a16:creationId xmlns:a16="http://schemas.microsoft.com/office/drawing/2014/main" id="{58A10268-192D-733D-033A-56B2EBCD98C4}"/>
+              </a:ext>
+            </a:extLst>
+          </p:cNvPr>
+          <p:cNvSpPr txBox="1"/>
+          <p:nvPr/>
+        </p:nvSpPr>
+        <p:spPr>
+          <a:xfrm>
+            <a:off x="143219" y="3885337"/>
+            <a:ext cx="1962627" cy="1754326"/>
+          </a:xfrm>
+          <a:prstGeom prst="rect">
+            <a:avLst/>
+          </a:prstGeom>
+          <a:noFill/>
+        </p:spPr>
+        <p:txBody>
+          <a:bodyPr wrap="square" rtlCol="0">
+            <a:spAutoFit/>
+          </a:bodyPr>
+          <a:lstStyle/>
+          <a:p>
+            <a:pPr marL="171450" indent="-171450">
+              <a:buFont typeface="Arial" panose="020B0604020202020204" pitchFamily="34" charset="0"/>
+              <a:buChar char="•"/>
+            </a:pPr>
+            <a:r>
+              <a:rPr lang="en-US" sz="1200" dirty="0"/>
+              <a:t>Spring Locking Cotter Pin </a:t>
+            </a:r>
+          </a:p>
+          <a:p>
+            <a:pPr marL="171450" indent="-171450">
+              <a:buFont typeface="Arial" panose="020B0604020202020204" pitchFamily="34" charset="0"/>
+              <a:buChar char="•"/>
+            </a:pPr>
+            <a:r>
+              <a:rPr lang="en-US" sz="1200" dirty="0"/>
+              <a:t>ring cotter pin </a:t>
+            </a:r>
+          </a:p>
+          <a:p>
+            <a:pPr marL="171450" indent="-171450">
+              <a:buFont typeface="Arial" panose="020B0604020202020204" pitchFamily="34" charset="0"/>
+              <a:buChar char="•"/>
+            </a:pPr>
+            <a:r>
+              <a:rPr lang="en-US" sz="1200" dirty="0"/>
+              <a:t>clevis pin with a rue ring locking cotter pin</a:t>
+            </a:r>
+          </a:p>
+          <a:p>
+            <a:pPr marL="171450" indent="-171450">
+              <a:buFont typeface="Arial" panose="020B0604020202020204" pitchFamily="34" charset="0"/>
+              <a:buChar char="•"/>
+            </a:pPr>
+            <a:r>
+              <a:rPr lang="en-US" sz="1200" dirty="0"/>
+              <a:t>hairpin cotter pin</a:t>
+            </a:r>
+          </a:p>
+          <a:p>
+            <a:pPr marL="171450" indent="-171450">
+              <a:buFont typeface="Arial" panose="020B0604020202020204" pitchFamily="34" charset="0"/>
+              <a:buChar char="•"/>
+            </a:pPr>
+            <a:r>
+              <a:rPr lang="en-US" sz="1200" dirty="0"/>
+              <a:t>hairpin clip</a:t>
+            </a:r>
+          </a:p>
+          <a:p>
+            <a:pPr marL="171450" indent="-171450">
+              <a:buFont typeface="Arial" panose="020B0604020202020204" pitchFamily="34" charset="0"/>
+              <a:buChar char="•"/>
+            </a:pPr>
+            <a:r>
+              <a:rPr lang="en-US" sz="1200" dirty="0"/>
+              <a:t>R-clip</a:t>
+            </a:r>
+          </a:p>
+          <a:p>
+            <a:pPr marL="171450" indent="-171450">
+              <a:buFont typeface="Arial" panose="020B0604020202020204" pitchFamily="34" charset="0"/>
+              <a:buChar char="•"/>
+            </a:pPr>
+            <a:r>
+              <a:rPr lang="en-US" sz="1200" dirty="0"/>
+              <a:t>https://</a:t>
+            </a:r>
+            <a:r>
+              <a:rPr lang="en-US" sz="1200" dirty="0" err="1"/>
+              <a:t>www.youtube.com</a:t>
+            </a:r>
+            <a:r>
+              <a:rPr lang="en-US" sz="1200" dirty="0"/>
+              <a:t>/</a:t>
+            </a:r>
+            <a:r>
+              <a:rPr lang="en-US" sz="1200" dirty="0" err="1"/>
+              <a:t>watch?v</a:t>
+            </a:r>
+            <a:r>
+              <a:rPr lang="en-US" sz="1200" dirty="0"/>
+              <a:t>=</a:t>
+            </a:r>
+            <a:r>
+              <a:rPr lang="en-US" sz="1200" dirty="0" err="1"/>
+              <a:t>TlP_BgXcdBk</a:t>
+            </a:r>
+            <a:r>
+              <a:rPr lang="en-US" sz="1200" dirty="0"/>
+              <a:t> </a:t>
+            </a:r>
+          </a:p>
+        </p:txBody>
+      </p:sp>
+      <p:pic>
+        <p:nvPicPr>
+          <p:cNvPr id="16" name="Picture 15">
+            <a:extLst>
+              <a:ext uri="{FF2B5EF4-FFF2-40B4-BE49-F238E27FC236}">
+                <a16:creationId xmlns:a16="http://schemas.microsoft.com/office/drawing/2014/main" id="{E919BD11-3DDB-8E57-7ED5-8B6F292CD4FA}"/>
+              </a:ext>
+            </a:extLst>
+          </p:cNvPr>
+          <p:cNvPicPr>
+            <a:picLocks noChangeAspect="1"/>
+          </p:cNvPicPr>
+          <p:nvPr/>
+        </p:nvPicPr>
+        <p:blipFill>
+          <a:blip r:embed="rId9" cstate="email">
+            <a:extLst>
+              <a:ext uri="{28A0092B-C50C-407E-A947-70E740481C1C}">
+                <a14:useLocalDpi xmlns:a14="http://schemas.microsoft.com/office/drawing/2010/main"/>
+              </a:ext>
+            </a:extLst>
+          </a:blip>
+          <a:stretch>
+            <a:fillRect/>
+          </a:stretch>
+        </p:blipFill>
+        <p:spPr>
+          <a:xfrm>
+            <a:off x="8320056" y="5229056"/>
+            <a:ext cx="1296910" cy="1439927"/>
+          </a:xfrm>
+          <a:prstGeom prst="rect">
+            <a:avLst/>
+          </a:prstGeom>
+        </p:spPr>
+      </p:pic>
+    </p:spTree>
+    <p:extLst>
+      <p:ext uri="{BB962C8B-B14F-4D97-AF65-F5344CB8AC3E}">
+        <p14:creationId xmlns:p14="http://schemas.microsoft.com/office/powerpoint/2010/main" val="3474280022"/>
+      </p:ext>
+    </p:extLst>
+  </p:cSld>
+  <p:clrMapOvr>
+    <a:masterClrMapping/>
+  </p:clrMapOvr>
+</p:sld>
+</file>
+
+<file path=ppt/slides/slide6.xml><?xml version="1.0" encoding="utf-8"?>
+<p:sld xmlns:a="http://schemas.openxmlformats.org/drawingml/2006/main" xmlns:r="http://schemas.openxmlformats.org/officeDocument/2006/relationships" xmlns:p="http://schemas.openxmlformats.org/presentationml/2006/main">
+  <p:cSld>
+    <p:spTree>
+      <p:nvGrpSpPr>
         <p:cNvPr id="1" name=""/>
         <p:cNvGrpSpPr/>
         <p:nvPr/>
@@ -7338,7 +7656,7 @@
 </p:sld>
 </file>
 
-<file path=ppt/slides/slide6.xml><?xml version="1.0" encoding="utf-8"?>
+<file path=ppt/slides/slide7.xml><?xml version="1.0" encoding="utf-8"?>
 <p:sld xmlns:a="http://schemas.openxmlformats.org/drawingml/2006/main" xmlns:r="http://schemas.openxmlformats.org/officeDocument/2006/relationships" xmlns:p="http://schemas.openxmlformats.org/presentationml/2006/main">
   <p:cSld>
     <p:spTree>
@@ -7613,7 +7931,7 @@
 </p:sld>
 </file>
 
-<file path=ppt/slides/slide7.xml><?xml version="1.0" encoding="utf-8"?>
+<file path=ppt/slides/slide8.xml><?xml version="1.0" encoding="utf-8"?>
 <p:sld xmlns:a="http://schemas.openxmlformats.org/drawingml/2006/main" xmlns:r="http://schemas.openxmlformats.org/officeDocument/2006/relationships" xmlns:p="http://schemas.openxmlformats.org/presentationml/2006/main">
   <p:cSld>
     <p:spTree>
@@ -8446,7 +8764,7 @@
 </p:sld>
 </file>
 
-<file path=ppt/slides/slide8.xml><?xml version="1.0" encoding="utf-8"?>
+<file path=ppt/slides/slide9.xml><?xml version="1.0" encoding="utf-8"?>
 <p:sld xmlns:a="http://schemas.openxmlformats.org/drawingml/2006/main" xmlns:r="http://schemas.openxmlformats.org/officeDocument/2006/relationships" xmlns:p="http://schemas.openxmlformats.org/presentationml/2006/main">
   <p:cSld>
     <p:spTree>
